--- a/docs/Chuyển đổi ngôn ngữ tự nhiên sang Scratch.pptx
+++ b/docs/Chuyển đổi ngôn ngữ tự nhiên sang Scratch.pptx
@@ -6656,7 +6656,7 @@
         <a:p>
           <a:r>
             <a:rPr kumimoji="1" lang="en-US" altLang="ja-JP" dirty="0"/>
-            <a:t>History</a:t>
+            <a:t>History State</a:t>
           </a:r>
           <a:endParaRPr kumimoji="1" lang="ja-JP" altLang="en-US" dirty="0"/>
         </a:p>
@@ -6869,7 +6869,7 @@
         </a:p>
       </dgm:t>
     </dgm:pt>
-    <dgm:pt modelId="{1F7793AA-64A7-4CBE-A1AB-176870BF24A8}">
+    <dgm:pt modelId="{B2023304-EC9A-4C8B-943A-EA4CC2330187}">
       <dgm:prSet phldrT="[テキスト]"/>
       <dgm:spPr/>
       <dgm:t>
@@ -6878,13 +6878,13 @@
         <a:p>
           <a:r>
             <a:rPr kumimoji="1" lang="en-US" altLang="ja-JP" dirty="0"/>
-            <a:t>Final</a:t>
+            <a:t>Entry/Do/Exit</a:t>
           </a:r>
           <a:endParaRPr kumimoji="1" lang="ja-JP" altLang="en-US" dirty="0"/>
         </a:p>
       </dgm:t>
     </dgm:pt>
-    <dgm:pt modelId="{78F0E74C-6EBE-4BE8-8DDD-36EBA5D196BD}" type="sibTrans" cxnId="{80017172-0E85-4248-9C7B-FFA206B6827B}">
+    <dgm:pt modelId="{A6EE69EA-8626-4652-95CE-E53ACCAE78A7}" type="parTrans" cxnId="{C11724EB-B59F-4A9D-939E-7BF9E91246C9}">
       <dgm:prSet/>
       <dgm:spPr/>
       <dgm:t>
@@ -6895,7 +6895,118 @@
         </a:p>
       </dgm:t>
     </dgm:pt>
-    <dgm:pt modelId="{FEDA92B8-80ED-4DC1-9AA9-28E25D6098E7}" type="parTrans" cxnId="{80017172-0E85-4248-9C7B-FFA206B6827B}">
+    <dgm:pt modelId="{A81581BF-6A02-43BA-923F-C85CD0DCF57F}" type="sibTrans" cxnId="{C11724EB-B59F-4A9D-939E-7BF9E91246C9}">
+      <dgm:prSet/>
+      <dgm:spPr/>
+      <dgm:t>
+        <a:bodyPr/>
+        <a:lstStyle/>
+        <a:p>
+          <a:endParaRPr kumimoji="1" lang="ja-JP" altLang="en-US"/>
+        </a:p>
+      </dgm:t>
+    </dgm:pt>
+    <dgm:pt modelId="{199D8F3E-1CD3-45C2-9783-3C6FA77C8C0F}">
+      <dgm:prSet phldrT="[テキスト]"/>
+      <dgm:spPr/>
+      <dgm:t>
+        <a:bodyPr/>
+        <a:lstStyle/>
+        <a:p>
+          <a:r>
+            <a:rPr kumimoji="1" lang="en-US" altLang="ja-JP" dirty="0"/>
+            <a:t>Deep History State</a:t>
+          </a:r>
+          <a:endParaRPr kumimoji="1" lang="ja-JP" altLang="en-US" dirty="0"/>
+        </a:p>
+      </dgm:t>
+    </dgm:pt>
+    <dgm:pt modelId="{63BA4BD6-2FD3-4AEE-967C-14ACC938E9E8}" type="parTrans" cxnId="{127D4BC0-3D3B-42F3-95A1-60E22FB3B37E}">
+      <dgm:prSet/>
+      <dgm:spPr/>
+      <dgm:t>
+        <a:bodyPr/>
+        <a:lstStyle/>
+        <a:p>
+          <a:endParaRPr kumimoji="1" lang="ja-JP" altLang="en-US"/>
+        </a:p>
+      </dgm:t>
+    </dgm:pt>
+    <dgm:pt modelId="{7B3D24B8-76CD-439A-B56B-0221A9AB0153}" type="sibTrans" cxnId="{127D4BC0-3D3B-42F3-95A1-60E22FB3B37E}">
+      <dgm:prSet/>
+      <dgm:spPr/>
+      <dgm:t>
+        <a:bodyPr/>
+        <a:lstStyle/>
+        <a:p>
+          <a:endParaRPr kumimoji="1" lang="ja-JP" altLang="en-US"/>
+        </a:p>
+      </dgm:t>
+    </dgm:pt>
+    <dgm:pt modelId="{48CE4803-7FC8-44D8-8018-A77C45A2F24E}">
+      <dgm:prSet phldrT="[テキスト]"/>
+      <dgm:spPr/>
+      <dgm:t>
+        <a:bodyPr/>
+        <a:lstStyle/>
+        <a:p>
+          <a:r>
+            <a:rPr kumimoji="1" lang="en-US" altLang="ja-JP"/>
+            <a:t>Initial Point</a:t>
+          </a:r>
+          <a:endParaRPr kumimoji="1" lang="ja-JP" altLang="en-US" dirty="0"/>
+        </a:p>
+      </dgm:t>
+    </dgm:pt>
+    <dgm:pt modelId="{DE526A19-BB83-4D9D-9003-5F8EDBBF4020}" type="parTrans" cxnId="{6F73EFA0-B9E1-4C91-9482-B064903A3692}">
+      <dgm:prSet/>
+      <dgm:spPr/>
+      <dgm:t>
+        <a:bodyPr/>
+        <a:lstStyle/>
+        <a:p>
+          <a:endParaRPr kumimoji="1" lang="ja-JP" altLang="en-US"/>
+        </a:p>
+      </dgm:t>
+    </dgm:pt>
+    <dgm:pt modelId="{444A8C12-0DB2-4721-8015-015031BD5200}" type="sibTrans" cxnId="{6F73EFA0-B9E1-4C91-9482-B064903A3692}">
+      <dgm:prSet/>
+      <dgm:spPr/>
+      <dgm:t>
+        <a:bodyPr/>
+        <a:lstStyle/>
+        <a:p>
+          <a:endParaRPr kumimoji="1" lang="ja-JP" altLang="en-US"/>
+        </a:p>
+      </dgm:t>
+    </dgm:pt>
+    <dgm:pt modelId="{C1D34EA1-2FDF-42AD-BDB7-445E266A3049}">
+      <dgm:prSet phldrT="[テキスト]"/>
+      <dgm:spPr/>
+      <dgm:t>
+        <a:bodyPr/>
+        <a:lstStyle/>
+        <a:p>
+          <a:r>
+            <a:rPr kumimoji="1" lang="en-US" altLang="ja-JP" dirty="0"/>
+            <a:t>Final State</a:t>
+          </a:r>
+          <a:endParaRPr kumimoji="1" lang="ja-JP" altLang="en-US" dirty="0"/>
+        </a:p>
+      </dgm:t>
+    </dgm:pt>
+    <dgm:pt modelId="{CD045E66-117D-448A-BB89-0AC5248837C7}" type="parTrans" cxnId="{AB43E83A-CE15-441E-832F-7D0A3D159AA6}">
+      <dgm:prSet/>
+      <dgm:spPr/>
+      <dgm:t>
+        <a:bodyPr/>
+        <a:lstStyle/>
+        <a:p>
+          <a:endParaRPr kumimoji="1" lang="ja-JP" altLang="en-US"/>
+        </a:p>
+      </dgm:t>
+    </dgm:pt>
+    <dgm:pt modelId="{186AFF3E-A44A-45CD-A594-41035E0B3963}" type="sibTrans" cxnId="{AB43E83A-CE15-441E-832F-7D0A3D159AA6}">
       <dgm:prSet/>
       <dgm:spPr/>
       <dgm:t>
@@ -6922,7 +7033,7 @@
     <dgm:pt modelId="{D1C4FC27-B741-473A-8036-EB09AF68F14B}" type="pres">
       <dgm:prSet presAssocID="{15722F6B-FD96-461B-9444-48152DA7A34E}" presName="hierRoot1" presStyleCnt="0">
         <dgm:presLayoutVars>
-          <dgm:hierBranch val="r"/>
+          <dgm:hierBranch/>
         </dgm:presLayoutVars>
       </dgm:prSet>
       <dgm:spPr/>
@@ -6947,14 +7058,14 @@
       <dgm:prSet presAssocID="{15722F6B-FD96-461B-9444-48152DA7A34E}" presName="hierChild2" presStyleCnt="0"/>
       <dgm:spPr/>
     </dgm:pt>
-    <dgm:pt modelId="{6782154B-719D-4D47-BA7E-81C5C7E3D869}" type="pres">
-      <dgm:prSet presAssocID="{494F1ADF-D564-4EBF-912D-D8A86F37D8DE}" presName="Name50" presStyleLbl="parChTrans1D2" presStyleIdx="0" presStyleCnt="7"/>
+    <dgm:pt modelId="{2E71C4F4-78EF-451C-AD16-2B4D1CEAD292}" type="pres">
+      <dgm:prSet presAssocID="{494F1ADF-D564-4EBF-912D-D8A86F37D8DE}" presName="Name35" presStyleLbl="parChTrans1D2" presStyleIdx="0" presStyleCnt="6"/>
       <dgm:spPr/>
     </dgm:pt>
     <dgm:pt modelId="{A474CD6E-AF88-4EC8-8833-6ABEBF2C9166}" type="pres">
       <dgm:prSet presAssocID="{1A3787D2-2887-416D-B0E1-DFD2210CB5AD}" presName="hierRoot2" presStyleCnt="0">
         <dgm:presLayoutVars>
-          <dgm:hierBranch val="init"/>
+          <dgm:hierBranch val="r"/>
         </dgm:presLayoutVars>
       </dgm:prSet>
       <dgm:spPr/>
@@ -6964,7 +7075,7 @@
       <dgm:spPr/>
     </dgm:pt>
     <dgm:pt modelId="{D227F926-D91D-4D33-AC49-2D95296BE798}" type="pres">
-      <dgm:prSet presAssocID="{1A3787D2-2887-416D-B0E1-DFD2210CB5AD}" presName="rootText" presStyleLbl="node2" presStyleIdx="0" presStyleCnt="7">
+      <dgm:prSet presAssocID="{1A3787D2-2887-416D-B0E1-DFD2210CB5AD}" presName="rootText" presStyleLbl="node2" presStyleIdx="0" presStyleCnt="6">
         <dgm:presLayoutVars>
           <dgm:chPref val="3"/>
         </dgm:presLayoutVars>
@@ -6972,19 +7083,15 @@
       <dgm:spPr/>
     </dgm:pt>
     <dgm:pt modelId="{0A1D7F60-1EA3-4400-B8E0-64A5CDBF03FB}" type="pres">
-      <dgm:prSet presAssocID="{1A3787D2-2887-416D-B0E1-DFD2210CB5AD}" presName="rootConnector" presStyleLbl="node2" presStyleIdx="0" presStyleCnt="7"/>
+      <dgm:prSet presAssocID="{1A3787D2-2887-416D-B0E1-DFD2210CB5AD}" presName="rootConnector" presStyleLbl="node2" presStyleIdx="0" presStyleCnt="6"/>
       <dgm:spPr/>
     </dgm:pt>
     <dgm:pt modelId="{F1E6EC3A-B378-43F7-86E7-9EFC23A8EC89}" type="pres">
       <dgm:prSet presAssocID="{1A3787D2-2887-416D-B0E1-DFD2210CB5AD}" presName="hierChild4" presStyleCnt="0"/>
       <dgm:spPr/>
     </dgm:pt>
-    <dgm:pt modelId="{2E532474-926B-433D-8AFB-E28FB2DE060C}" type="pres">
-      <dgm:prSet presAssocID="{1A3787D2-2887-416D-B0E1-DFD2210CB5AD}" presName="hierChild5" presStyleCnt="0"/>
-      <dgm:spPr/>
-    </dgm:pt>
-    <dgm:pt modelId="{D9DF9432-E556-48DD-9D70-A33037974F4C}" type="pres">
-      <dgm:prSet presAssocID="{670984BE-A73D-44B4-A0F5-452ACF83B8C1}" presName="Name50" presStyleLbl="parChTrans1D2" presStyleIdx="1" presStyleCnt="7"/>
+    <dgm:pt modelId="{80CD6AC6-AF55-43D5-8135-08B22832FDB2}" type="pres">
+      <dgm:prSet presAssocID="{670984BE-A73D-44B4-A0F5-452ACF83B8C1}" presName="Name50" presStyleLbl="parChTrans1D3" presStyleIdx="0" presStyleCnt="7"/>
       <dgm:spPr/>
     </dgm:pt>
     <dgm:pt modelId="{3035F842-551C-4A98-9AF6-66F4D027DBCC}" type="pres">
@@ -7000,7 +7107,7 @@
       <dgm:spPr/>
     </dgm:pt>
     <dgm:pt modelId="{3BFC4D69-F7D9-410A-9292-0F4AF5D82DB9}" type="pres">
-      <dgm:prSet presAssocID="{6831283C-F409-411B-91EF-5AD8A5022A3E}" presName="rootText" presStyleLbl="node2" presStyleIdx="1" presStyleCnt="7">
+      <dgm:prSet presAssocID="{6831283C-F409-411B-91EF-5AD8A5022A3E}" presName="rootText" presStyleLbl="node3" presStyleIdx="0" presStyleCnt="7">
         <dgm:presLayoutVars>
           <dgm:chPref val="3"/>
         </dgm:presLayoutVars>
@@ -7008,19 +7115,131 @@
       <dgm:spPr/>
     </dgm:pt>
     <dgm:pt modelId="{EA440890-0E78-4A75-BA66-A61299C86410}" type="pres">
-      <dgm:prSet presAssocID="{6831283C-F409-411B-91EF-5AD8A5022A3E}" presName="rootConnector" presStyleLbl="node2" presStyleIdx="1" presStyleCnt="7"/>
+      <dgm:prSet presAssocID="{6831283C-F409-411B-91EF-5AD8A5022A3E}" presName="rootConnector" presStyleLbl="node3" presStyleIdx="0" presStyleCnt="7"/>
       <dgm:spPr/>
     </dgm:pt>
     <dgm:pt modelId="{4783371F-F4E5-4568-89FB-D440872CA735}" type="pres">
       <dgm:prSet presAssocID="{6831283C-F409-411B-91EF-5AD8A5022A3E}" presName="hierChild4" presStyleCnt="0"/>
       <dgm:spPr/>
     </dgm:pt>
+    <dgm:pt modelId="{5AE74728-F236-4111-A0FC-EA35D353AE79}" type="pres">
+      <dgm:prSet presAssocID="{DE526A19-BB83-4D9D-9003-5F8EDBBF4020}" presName="Name37" presStyleLbl="parChTrans1D4" presStyleIdx="0" presStyleCnt="2"/>
+      <dgm:spPr/>
+    </dgm:pt>
+    <dgm:pt modelId="{5B0CC356-E9C9-4274-891F-64239AB43165}" type="pres">
+      <dgm:prSet presAssocID="{48CE4803-7FC8-44D8-8018-A77C45A2F24E}" presName="hierRoot2" presStyleCnt="0">
+        <dgm:presLayoutVars>
+          <dgm:hierBranch val="init"/>
+        </dgm:presLayoutVars>
+      </dgm:prSet>
+      <dgm:spPr/>
+    </dgm:pt>
+    <dgm:pt modelId="{BBDCBBA4-EC8A-479F-A830-11A7A42E2EBD}" type="pres">
+      <dgm:prSet presAssocID="{48CE4803-7FC8-44D8-8018-A77C45A2F24E}" presName="rootComposite" presStyleCnt="0"/>
+      <dgm:spPr/>
+    </dgm:pt>
+    <dgm:pt modelId="{F49895D7-B24F-41D7-BBF2-42967AEC50E7}" type="pres">
+      <dgm:prSet presAssocID="{48CE4803-7FC8-44D8-8018-A77C45A2F24E}" presName="rootText" presStyleLbl="node4" presStyleIdx="0" presStyleCnt="2">
+        <dgm:presLayoutVars>
+          <dgm:chPref val="3"/>
+        </dgm:presLayoutVars>
+      </dgm:prSet>
+      <dgm:spPr/>
+    </dgm:pt>
+    <dgm:pt modelId="{78AF77F5-816C-45C6-AB97-041BE3B9F3D7}" type="pres">
+      <dgm:prSet presAssocID="{48CE4803-7FC8-44D8-8018-A77C45A2F24E}" presName="rootConnector" presStyleLbl="node4" presStyleIdx="0" presStyleCnt="2"/>
+      <dgm:spPr/>
+    </dgm:pt>
+    <dgm:pt modelId="{EDCAFB87-2CDD-46A6-9A69-4609358DCD1C}" type="pres">
+      <dgm:prSet presAssocID="{48CE4803-7FC8-44D8-8018-A77C45A2F24E}" presName="hierChild4" presStyleCnt="0"/>
+      <dgm:spPr/>
+    </dgm:pt>
+    <dgm:pt modelId="{8E93F257-4455-4705-8F53-1495CB5AAD92}" type="pres">
+      <dgm:prSet presAssocID="{48CE4803-7FC8-44D8-8018-A77C45A2F24E}" presName="hierChild5" presStyleCnt="0"/>
+      <dgm:spPr/>
+    </dgm:pt>
+    <dgm:pt modelId="{ECEB23CB-F2E5-466A-99C7-8854D12A23F6}" type="pres">
+      <dgm:prSet presAssocID="{CD045E66-117D-448A-BB89-0AC5248837C7}" presName="Name37" presStyleLbl="parChTrans1D4" presStyleIdx="1" presStyleCnt="2"/>
+      <dgm:spPr/>
+    </dgm:pt>
+    <dgm:pt modelId="{4F29E394-C6F5-476D-B9C6-2E2A5928F841}" type="pres">
+      <dgm:prSet presAssocID="{C1D34EA1-2FDF-42AD-BDB7-445E266A3049}" presName="hierRoot2" presStyleCnt="0">
+        <dgm:presLayoutVars>
+          <dgm:hierBranch val="init"/>
+        </dgm:presLayoutVars>
+      </dgm:prSet>
+      <dgm:spPr/>
+    </dgm:pt>
+    <dgm:pt modelId="{FEED4C6C-EB7B-450D-A57C-D9A739825856}" type="pres">
+      <dgm:prSet presAssocID="{C1D34EA1-2FDF-42AD-BDB7-445E266A3049}" presName="rootComposite" presStyleCnt="0"/>
+      <dgm:spPr/>
+    </dgm:pt>
+    <dgm:pt modelId="{598B4173-D3EF-45D9-942A-B1135348D2CF}" type="pres">
+      <dgm:prSet presAssocID="{C1D34EA1-2FDF-42AD-BDB7-445E266A3049}" presName="rootText" presStyleLbl="node4" presStyleIdx="1" presStyleCnt="2">
+        <dgm:presLayoutVars>
+          <dgm:chPref val="3"/>
+        </dgm:presLayoutVars>
+      </dgm:prSet>
+      <dgm:spPr/>
+    </dgm:pt>
+    <dgm:pt modelId="{F833648F-FA50-47D7-86B9-F5A148E532AF}" type="pres">
+      <dgm:prSet presAssocID="{C1D34EA1-2FDF-42AD-BDB7-445E266A3049}" presName="rootConnector" presStyleLbl="node4" presStyleIdx="1" presStyleCnt="2"/>
+      <dgm:spPr/>
+    </dgm:pt>
+    <dgm:pt modelId="{42626F05-5D2B-4D7B-8526-009AF1C64662}" type="pres">
+      <dgm:prSet presAssocID="{C1D34EA1-2FDF-42AD-BDB7-445E266A3049}" presName="hierChild4" presStyleCnt="0"/>
+      <dgm:spPr/>
+    </dgm:pt>
+    <dgm:pt modelId="{1F5CBB32-8C08-480D-937A-CA2D595DB1A2}" type="pres">
+      <dgm:prSet presAssocID="{C1D34EA1-2FDF-42AD-BDB7-445E266A3049}" presName="hierChild5" presStyleCnt="0"/>
+      <dgm:spPr/>
+    </dgm:pt>
     <dgm:pt modelId="{E5E9523B-4947-419B-A092-E84EC2E72B06}" type="pres">
       <dgm:prSet presAssocID="{6831283C-F409-411B-91EF-5AD8A5022A3E}" presName="hierChild5" presStyleCnt="0"/>
       <dgm:spPr/>
     </dgm:pt>
-    <dgm:pt modelId="{A3CA0388-87D4-4BF3-9690-0BF78D92A091}" type="pres">
-      <dgm:prSet presAssocID="{F0FD3285-ABF1-45C2-8619-71AC20C32DD9}" presName="Name50" presStyleLbl="parChTrans1D2" presStyleIdx="2" presStyleCnt="7"/>
+    <dgm:pt modelId="{5AD17794-CF36-4307-B2F5-6EE7F0724F31}" type="pres">
+      <dgm:prSet presAssocID="{A6EE69EA-8626-4652-95CE-E53ACCAE78A7}" presName="Name50" presStyleLbl="parChTrans1D3" presStyleIdx="1" presStyleCnt="7"/>
+      <dgm:spPr/>
+    </dgm:pt>
+    <dgm:pt modelId="{1A1D940C-6207-44EF-9875-E649D7893297}" type="pres">
+      <dgm:prSet presAssocID="{B2023304-EC9A-4C8B-943A-EA4CC2330187}" presName="hierRoot2" presStyleCnt="0">
+        <dgm:presLayoutVars>
+          <dgm:hierBranch val="init"/>
+        </dgm:presLayoutVars>
+      </dgm:prSet>
+      <dgm:spPr/>
+    </dgm:pt>
+    <dgm:pt modelId="{B6ED1983-D09A-46C4-8861-41F8562DD9FF}" type="pres">
+      <dgm:prSet presAssocID="{B2023304-EC9A-4C8B-943A-EA4CC2330187}" presName="rootComposite" presStyleCnt="0"/>
+      <dgm:spPr/>
+    </dgm:pt>
+    <dgm:pt modelId="{AB92E32C-B437-4F31-B351-74667AEBFFD4}" type="pres">
+      <dgm:prSet presAssocID="{B2023304-EC9A-4C8B-943A-EA4CC2330187}" presName="rootText" presStyleLbl="node3" presStyleIdx="1" presStyleCnt="7">
+        <dgm:presLayoutVars>
+          <dgm:chPref val="3"/>
+        </dgm:presLayoutVars>
+      </dgm:prSet>
+      <dgm:spPr/>
+    </dgm:pt>
+    <dgm:pt modelId="{226BEE7D-AF31-46E8-BC31-C4779C36D016}" type="pres">
+      <dgm:prSet presAssocID="{B2023304-EC9A-4C8B-943A-EA4CC2330187}" presName="rootConnector" presStyleLbl="node3" presStyleIdx="1" presStyleCnt="7"/>
+      <dgm:spPr/>
+    </dgm:pt>
+    <dgm:pt modelId="{B503C46D-984F-4D12-A0D9-04EBF4118474}" type="pres">
+      <dgm:prSet presAssocID="{B2023304-EC9A-4C8B-943A-EA4CC2330187}" presName="hierChild4" presStyleCnt="0"/>
+      <dgm:spPr/>
+    </dgm:pt>
+    <dgm:pt modelId="{6B767D3B-CD64-4993-8658-8F102BA0B5F4}" type="pres">
+      <dgm:prSet presAssocID="{B2023304-EC9A-4C8B-943A-EA4CC2330187}" presName="hierChild5" presStyleCnt="0"/>
+      <dgm:spPr/>
+    </dgm:pt>
+    <dgm:pt modelId="{2E532474-926B-433D-8AFB-E28FB2DE060C}" type="pres">
+      <dgm:prSet presAssocID="{1A3787D2-2887-416D-B0E1-DFD2210CB5AD}" presName="hierChild5" presStyleCnt="0"/>
+      <dgm:spPr/>
+    </dgm:pt>
+    <dgm:pt modelId="{199EC390-B0CD-4167-9846-6FD7066A67D0}" type="pres">
+      <dgm:prSet presAssocID="{F0FD3285-ABF1-45C2-8619-71AC20C32DD9}" presName="Name35" presStyleLbl="parChTrans1D2" presStyleIdx="1" presStyleCnt="6"/>
       <dgm:spPr/>
     </dgm:pt>
     <dgm:pt modelId="{CC93C74A-8882-4710-856F-92ECE803A9D0}" type="pres">
@@ -7036,7 +7255,7 @@
       <dgm:spPr/>
     </dgm:pt>
     <dgm:pt modelId="{73D7F4D0-6F95-467A-9021-698C63D66C37}" type="pres">
-      <dgm:prSet presAssocID="{854DAFD1-1EA0-4FC2-BE54-11F64C72AF6A}" presName="rootText" presStyleLbl="node2" presStyleIdx="2" presStyleCnt="7">
+      <dgm:prSet presAssocID="{854DAFD1-1EA0-4FC2-BE54-11F64C72AF6A}" presName="rootText" presStyleLbl="node2" presStyleIdx="1" presStyleCnt="6">
         <dgm:presLayoutVars>
           <dgm:chPref val="3"/>
         </dgm:presLayoutVars>
@@ -7044,51 +7263,87 @@
       <dgm:spPr/>
     </dgm:pt>
     <dgm:pt modelId="{D597909A-9611-47A9-83A3-3468983AEBD7}" type="pres">
-      <dgm:prSet presAssocID="{854DAFD1-1EA0-4FC2-BE54-11F64C72AF6A}" presName="rootConnector" presStyleLbl="node2" presStyleIdx="2" presStyleCnt="7"/>
+      <dgm:prSet presAssocID="{854DAFD1-1EA0-4FC2-BE54-11F64C72AF6A}" presName="rootConnector" presStyleLbl="node2" presStyleIdx="1" presStyleCnt="6"/>
       <dgm:spPr/>
     </dgm:pt>
     <dgm:pt modelId="{34A867BE-BDCD-448E-8DC0-9F90921CC52F}" type="pres">
       <dgm:prSet presAssocID="{854DAFD1-1EA0-4FC2-BE54-11F64C72AF6A}" presName="hierChild4" presStyleCnt="0"/>
       <dgm:spPr/>
     </dgm:pt>
-    <dgm:pt modelId="{A2CE51D3-319F-42C6-9557-96F4CBD828CF}" type="pres">
-      <dgm:prSet presAssocID="{854DAFD1-1EA0-4FC2-BE54-11F64C72AF6A}" presName="hierChild5" presStyleCnt="0"/>
-      <dgm:spPr/>
-    </dgm:pt>
-    <dgm:pt modelId="{1E298CD2-0E8D-41C9-9C61-2AF3E247F189}" type="pres">
-      <dgm:prSet presAssocID="{62664992-43A6-475C-BB63-FC2D8B9CEA0A}" presName="Name50" presStyleLbl="parChTrans1D2" presStyleIdx="3" presStyleCnt="7"/>
-      <dgm:spPr/>
-    </dgm:pt>
-    <dgm:pt modelId="{8A3DFB0D-358D-4624-A5F3-2885C899C91E}" type="pres">
-      <dgm:prSet presAssocID="{D1D3B346-1578-40BE-AAC0-B2E87ABD9C39}" presName="hierRoot2" presStyleCnt="0">
+    <dgm:pt modelId="{BB477CE8-EE9C-4531-8791-F3F451EF4FB6}" type="pres">
+      <dgm:prSet presAssocID="{63BA4BD6-2FD3-4AEE-967C-14ACC938E9E8}" presName="Name37" presStyleLbl="parChTrans1D3" presStyleIdx="2" presStyleCnt="7"/>
+      <dgm:spPr/>
+    </dgm:pt>
+    <dgm:pt modelId="{FF3B27F2-B311-4FF3-89B7-4C7CF8701210}" type="pres">
+      <dgm:prSet presAssocID="{199D8F3E-1CD3-45C2-9783-3C6FA77C8C0F}" presName="hierRoot2" presStyleCnt="0">
         <dgm:presLayoutVars>
-          <dgm:hierBranch/>
+          <dgm:hierBranch val="init"/>
         </dgm:presLayoutVars>
       </dgm:prSet>
       <dgm:spPr/>
     </dgm:pt>
-    <dgm:pt modelId="{1BDD3A64-8AE4-4FE2-BCA2-2532F55D96C6}" type="pres">
-      <dgm:prSet presAssocID="{D1D3B346-1578-40BE-AAC0-B2E87ABD9C39}" presName="rootComposite" presStyleCnt="0"/>
-      <dgm:spPr/>
-    </dgm:pt>
-    <dgm:pt modelId="{4D79EC49-F480-49D6-B693-46EE305645E5}" type="pres">
-      <dgm:prSet presAssocID="{D1D3B346-1578-40BE-AAC0-B2E87ABD9C39}" presName="rootText" presStyleLbl="node2" presStyleIdx="3" presStyleCnt="7">
+    <dgm:pt modelId="{D9DF2AF3-707C-424F-9A23-B69C7D1CF659}" type="pres">
+      <dgm:prSet presAssocID="{199D8F3E-1CD3-45C2-9783-3C6FA77C8C0F}" presName="rootComposite" presStyleCnt="0"/>
+      <dgm:spPr/>
+    </dgm:pt>
+    <dgm:pt modelId="{37557D71-FFA3-485D-94F8-08CDB9DD3DA6}" type="pres">
+      <dgm:prSet presAssocID="{199D8F3E-1CD3-45C2-9783-3C6FA77C8C0F}" presName="rootText" presStyleLbl="node3" presStyleIdx="2" presStyleCnt="7">
         <dgm:presLayoutVars>
           <dgm:chPref val="3"/>
         </dgm:presLayoutVars>
       </dgm:prSet>
       <dgm:spPr/>
     </dgm:pt>
+    <dgm:pt modelId="{5AC6752B-B276-44DC-8E52-55D48472FB1F}" type="pres">
+      <dgm:prSet presAssocID="{199D8F3E-1CD3-45C2-9783-3C6FA77C8C0F}" presName="rootConnector" presStyleLbl="node3" presStyleIdx="2" presStyleCnt="7"/>
+      <dgm:spPr/>
+    </dgm:pt>
+    <dgm:pt modelId="{3029EDDD-E5EA-4FC4-AABB-4A46AEEFB31A}" type="pres">
+      <dgm:prSet presAssocID="{199D8F3E-1CD3-45C2-9783-3C6FA77C8C0F}" presName="hierChild4" presStyleCnt="0"/>
+      <dgm:spPr/>
+    </dgm:pt>
+    <dgm:pt modelId="{F328AEB3-EF9B-480A-AA25-D05324BD86D8}" type="pres">
+      <dgm:prSet presAssocID="{199D8F3E-1CD3-45C2-9783-3C6FA77C8C0F}" presName="hierChild5" presStyleCnt="0"/>
+      <dgm:spPr/>
+    </dgm:pt>
+    <dgm:pt modelId="{A2CE51D3-319F-42C6-9557-96F4CBD828CF}" type="pres">
+      <dgm:prSet presAssocID="{854DAFD1-1EA0-4FC2-BE54-11F64C72AF6A}" presName="hierChild5" presStyleCnt="0"/>
+      <dgm:spPr/>
+    </dgm:pt>
+    <dgm:pt modelId="{126975FA-B586-4865-9B0F-892175514C9E}" type="pres">
+      <dgm:prSet presAssocID="{62664992-43A6-475C-BB63-FC2D8B9CEA0A}" presName="Name35" presStyleLbl="parChTrans1D2" presStyleIdx="2" presStyleCnt="6"/>
+      <dgm:spPr/>
+    </dgm:pt>
+    <dgm:pt modelId="{8A3DFB0D-358D-4624-A5F3-2885C899C91E}" type="pres">
+      <dgm:prSet presAssocID="{D1D3B346-1578-40BE-AAC0-B2E87ABD9C39}" presName="hierRoot2" presStyleCnt="0">
+        <dgm:presLayoutVars>
+          <dgm:hierBranch val="r"/>
+        </dgm:presLayoutVars>
+      </dgm:prSet>
+      <dgm:spPr/>
+    </dgm:pt>
+    <dgm:pt modelId="{1BDD3A64-8AE4-4FE2-BCA2-2532F55D96C6}" type="pres">
+      <dgm:prSet presAssocID="{D1D3B346-1578-40BE-AAC0-B2E87ABD9C39}" presName="rootComposite" presStyleCnt="0"/>
+      <dgm:spPr/>
+    </dgm:pt>
+    <dgm:pt modelId="{4D79EC49-F480-49D6-B693-46EE305645E5}" type="pres">
+      <dgm:prSet presAssocID="{D1D3B346-1578-40BE-AAC0-B2E87ABD9C39}" presName="rootText" presStyleLbl="node2" presStyleIdx="2" presStyleCnt="6">
+        <dgm:presLayoutVars>
+          <dgm:chPref val="3"/>
+        </dgm:presLayoutVars>
+      </dgm:prSet>
+      <dgm:spPr/>
+    </dgm:pt>
     <dgm:pt modelId="{E81AD88E-02FD-49FD-B0F4-1075A5710422}" type="pres">
-      <dgm:prSet presAssocID="{D1D3B346-1578-40BE-AAC0-B2E87ABD9C39}" presName="rootConnector" presStyleLbl="node2" presStyleIdx="3" presStyleCnt="7"/>
+      <dgm:prSet presAssocID="{D1D3B346-1578-40BE-AAC0-B2E87ABD9C39}" presName="rootConnector" presStyleLbl="node2" presStyleIdx="2" presStyleCnt="6"/>
       <dgm:spPr/>
     </dgm:pt>
     <dgm:pt modelId="{C573C869-ADAA-46B4-841D-4C332DE4C721}" type="pres">
       <dgm:prSet presAssocID="{D1D3B346-1578-40BE-AAC0-B2E87ABD9C39}" presName="hierChild4" presStyleCnt="0"/>
       <dgm:spPr/>
     </dgm:pt>
-    <dgm:pt modelId="{B542F1CB-ED74-4321-84B5-51E3EC00E830}" type="pres">
-      <dgm:prSet presAssocID="{67017896-DD2E-4AB4-8A09-55BBD9A236BE}" presName="Name35" presStyleLbl="parChTrans1D3" presStyleIdx="0" presStyleCnt="5"/>
+    <dgm:pt modelId="{2EDE3080-CCAE-40EC-9DCD-0704F45B0326}" type="pres">
+      <dgm:prSet presAssocID="{67017896-DD2E-4AB4-8A09-55BBD9A236BE}" presName="Name50" presStyleLbl="parChTrans1D3" presStyleIdx="3" presStyleCnt="7"/>
       <dgm:spPr/>
     </dgm:pt>
     <dgm:pt modelId="{75CCD69F-26A8-45A8-816A-0E84928FCB6F}" type="pres">
@@ -7104,7 +7359,7 @@
       <dgm:spPr/>
     </dgm:pt>
     <dgm:pt modelId="{F04D42CF-2F1A-4FA0-8DE5-365FFE66E0CA}" type="pres">
-      <dgm:prSet presAssocID="{46CC2924-2CCA-4898-A83F-9CA085B3C9F2}" presName="rootText" presStyleLbl="node3" presStyleIdx="0" presStyleCnt="5">
+      <dgm:prSet presAssocID="{46CC2924-2CCA-4898-A83F-9CA085B3C9F2}" presName="rootText" presStyleLbl="node3" presStyleIdx="3" presStyleCnt="7">
         <dgm:presLayoutVars>
           <dgm:chPref val="3"/>
         </dgm:presLayoutVars>
@@ -7112,7 +7367,7 @@
       <dgm:spPr/>
     </dgm:pt>
     <dgm:pt modelId="{B2AC2D3E-B129-4D65-9B41-CEE4370CF14D}" type="pres">
-      <dgm:prSet presAssocID="{46CC2924-2CCA-4898-A83F-9CA085B3C9F2}" presName="rootConnector" presStyleLbl="node3" presStyleIdx="0" presStyleCnt="5"/>
+      <dgm:prSet presAssocID="{46CC2924-2CCA-4898-A83F-9CA085B3C9F2}" presName="rootConnector" presStyleLbl="node3" presStyleIdx="3" presStyleCnt="7"/>
       <dgm:spPr/>
     </dgm:pt>
     <dgm:pt modelId="{C0EF8CF5-8DAA-4EB4-939A-6DC5B59B006B}" type="pres">
@@ -7123,8 +7378,8 @@
       <dgm:prSet presAssocID="{46CC2924-2CCA-4898-A83F-9CA085B3C9F2}" presName="hierChild5" presStyleCnt="0"/>
       <dgm:spPr/>
     </dgm:pt>
-    <dgm:pt modelId="{86389C67-E9D5-43BD-976E-67898FF39CF8}" type="pres">
-      <dgm:prSet presAssocID="{C5E445FB-05C8-4125-9F22-991CE0A850A7}" presName="Name35" presStyleLbl="parChTrans1D3" presStyleIdx="1" presStyleCnt="5"/>
+    <dgm:pt modelId="{51DFC038-98B8-4E37-A84D-5DFB8F319E80}" type="pres">
+      <dgm:prSet presAssocID="{C5E445FB-05C8-4125-9F22-991CE0A850A7}" presName="Name50" presStyleLbl="parChTrans1D3" presStyleIdx="4" presStyleCnt="7"/>
       <dgm:spPr/>
     </dgm:pt>
     <dgm:pt modelId="{91936569-0850-41B2-8117-AD28C83FEF9C}" type="pres">
@@ -7140,7 +7395,7 @@
       <dgm:spPr/>
     </dgm:pt>
     <dgm:pt modelId="{13E89706-6D22-4BD3-AD1F-1B8C91E6849A}" type="pres">
-      <dgm:prSet presAssocID="{E33B27EC-255E-4EBD-B918-DDDF25F0CF22}" presName="rootText" presStyleLbl="node3" presStyleIdx="1" presStyleCnt="5">
+      <dgm:prSet presAssocID="{E33B27EC-255E-4EBD-B918-DDDF25F0CF22}" presName="rootText" presStyleLbl="node3" presStyleIdx="4" presStyleCnt="7">
         <dgm:presLayoutVars>
           <dgm:chPref val="3"/>
         </dgm:presLayoutVars>
@@ -7148,7 +7403,7 @@
       <dgm:spPr/>
     </dgm:pt>
     <dgm:pt modelId="{9B709F09-718B-456D-972E-2220C10A21F5}" type="pres">
-      <dgm:prSet presAssocID="{E33B27EC-255E-4EBD-B918-DDDF25F0CF22}" presName="rootConnector" presStyleLbl="node3" presStyleIdx="1" presStyleCnt="5"/>
+      <dgm:prSet presAssocID="{E33B27EC-255E-4EBD-B918-DDDF25F0CF22}" presName="rootConnector" presStyleLbl="node3" presStyleIdx="4" presStyleCnt="7"/>
       <dgm:spPr/>
     </dgm:pt>
     <dgm:pt modelId="{260FFABB-4CED-47CB-9CC8-D00477242406}" type="pres">
@@ -7157,42 +7412,6 @@
     </dgm:pt>
     <dgm:pt modelId="{9FE1C5C0-0A05-4558-9BAE-38E9F308BC75}" type="pres">
       <dgm:prSet presAssocID="{E33B27EC-255E-4EBD-B918-DDDF25F0CF22}" presName="hierChild5" presStyleCnt="0"/>
-      <dgm:spPr/>
-    </dgm:pt>
-    <dgm:pt modelId="{DF73881F-2028-4306-BFC0-A22B7F515D52}" type="pres">
-      <dgm:prSet presAssocID="{FEDA92B8-80ED-4DC1-9AA9-28E25D6098E7}" presName="Name35" presStyleLbl="parChTrans1D3" presStyleIdx="2" presStyleCnt="5"/>
-      <dgm:spPr/>
-    </dgm:pt>
-    <dgm:pt modelId="{8983FFF8-1645-433A-B896-A486CCF25D48}" type="pres">
-      <dgm:prSet presAssocID="{1F7793AA-64A7-4CBE-A1AB-176870BF24A8}" presName="hierRoot2" presStyleCnt="0">
-        <dgm:presLayoutVars>
-          <dgm:hierBranch val="init"/>
-        </dgm:presLayoutVars>
-      </dgm:prSet>
-      <dgm:spPr/>
-    </dgm:pt>
-    <dgm:pt modelId="{4A45D019-F5F9-4BFA-8BC8-FC000D045105}" type="pres">
-      <dgm:prSet presAssocID="{1F7793AA-64A7-4CBE-A1AB-176870BF24A8}" presName="rootComposite" presStyleCnt="0"/>
-      <dgm:spPr/>
-    </dgm:pt>
-    <dgm:pt modelId="{015209CF-02A8-40B2-A862-FFF789D7FDF9}" type="pres">
-      <dgm:prSet presAssocID="{1F7793AA-64A7-4CBE-A1AB-176870BF24A8}" presName="rootText" presStyleLbl="node3" presStyleIdx="2" presStyleCnt="5">
-        <dgm:presLayoutVars>
-          <dgm:chPref val="3"/>
-        </dgm:presLayoutVars>
-      </dgm:prSet>
-      <dgm:spPr/>
-    </dgm:pt>
-    <dgm:pt modelId="{FD4BFCCC-2998-4930-884E-C7F6282CB671}" type="pres">
-      <dgm:prSet presAssocID="{1F7793AA-64A7-4CBE-A1AB-176870BF24A8}" presName="rootConnector" presStyleLbl="node3" presStyleIdx="2" presStyleCnt="5"/>
-      <dgm:spPr/>
-    </dgm:pt>
-    <dgm:pt modelId="{CCFA3706-1394-458B-AE29-E19FBB88A414}" type="pres">
-      <dgm:prSet presAssocID="{1F7793AA-64A7-4CBE-A1AB-176870BF24A8}" presName="hierChild4" presStyleCnt="0"/>
-      <dgm:spPr/>
-    </dgm:pt>
-    <dgm:pt modelId="{39DBCF05-15F7-4497-A6F3-F738BA9D1E37}" type="pres">
-      <dgm:prSet presAssocID="{1F7793AA-64A7-4CBE-A1AB-176870BF24A8}" presName="hierChild5" presStyleCnt="0"/>
       <dgm:spPr/>
     </dgm:pt>
     <dgm:pt modelId="{ACFF7A03-453E-43A7-82D3-FEB47DFDF814}" type="pres">
@@ -7232,7 +7451,7 @@
       <dgm:spPr/>
     </dgm:pt>
     <dgm:pt modelId="{ADA0F333-12EB-4464-8FA1-1F09E6D51552}" type="pres">
-      <dgm:prSet presAssocID="{3BEB0C8B-BB6D-4C42-95B1-5D1A74090000}" presName="Name50" presStyleLbl="parChTrans1D2" presStyleIdx="4" presStyleCnt="7"/>
+      <dgm:prSet presAssocID="{3BEB0C8B-BB6D-4C42-95B1-5D1A74090000}" presName="Name50" presStyleLbl="parChTrans1D2" presStyleIdx="3" presStyleCnt="6"/>
       <dgm:spPr/>
     </dgm:pt>
     <dgm:pt modelId="{4663BE0B-DD09-47E7-BBB6-F87FCCA280A5}" type="pres">
@@ -7248,7 +7467,7 @@
       <dgm:spPr/>
     </dgm:pt>
     <dgm:pt modelId="{7223BD76-A0B8-420D-86E7-A7933E5308A3}" type="pres">
-      <dgm:prSet presAssocID="{579E0539-AF00-477A-8D40-6E8B4FC73A47}" presName="rootText" presStyleLbl="node2" presStyleIdx="4" presStyleCnt="7">
+      <dgm:prSet presAssocID="{579E0539-AF00-477A-8D40-6E8B4FC73A47}" presName="rootText" presStyleLbl="node2" presStyleIdx="3" presStyleCnt="6">
         <dgm:presLayoutVars>
           <dgm:chPref val="3"/>
         </dgm:presLayoutVars>
@@ -7256,7 +7475,7 @@
       <dgm:spPr/>
     </dgm:pt>
     <dgm:pt modelId="{D716F132-3EE0-44D2-98D6-7805645162CF}" type="pres">
-      <dgm:prSet presAssocID="{579E0539-AF00-477A-8D40-6E8B4FC73A47}" presName="rootConnector" presStyleLbl="node2" presStyleIdx="4" presStyleCnt="7"/>
+      <dgm:prSet presAssocID="{579E0539-AF00-477A-8D40-6E8B4FC73A47}" presName="rootConnector" presStyleLbl="node2" presStyleIdx="3" presStyleCnt="6"/>
       <dgm:spPr/>
     </dgm:pt>
     <dgm:pt modelId="{C7954794-AB65-4131-8FFF-00AC4E14BB39}" type="pres">
@@ -7264,7 +7483,7 @@
       <dgm:spPr/>
     </dgm:pt>
     <dgm:pt modelId="{A9980D17-C1ED-45A0-B1AE-1E20629CDBEE}" type="pres">
-      <dgm:prSet presAssocID="{D3CDF6E4-A75F-430D-9D7B-B0A41E3BAEE9}" presName="Name37" presStyleLbl="parChTrans1D3" presStyleIdx="3" presStyleCnt="5"/>
+      <dgm:prSet presAssocID="{D3CDF6E4-A75F-430D-9D7B-B0A41E3BAEE9}" presName="Name37" presStyleLbl="parChTrans1D3" presStyleIdx="5" presStyleCnt="7"/>
       <dgm:spPr/>
     </dgm:pt>
     <dgm:pt modelId="{B09EECDB-CEED-443B-89E8-B6E011FEFF05}" type="pres">
@@ -7280,7 +7499,7 @@
       <dgm:spPr/>
     </dgm:pt>
     <dgm:pt modelId="{64C86C4E-8F43-4B6A-8A2F-ABDCD98B5378}" type="pres">
-      <dgm:prSet presAssocID="{433FD4C4-1106-4D2E-96DE-6CFA707ADD83}" presName="rootText" presStyleLbl="node3" presStyleIdx="3" presStyleCnt="5">
+      <dgm:prSet presAssocID="{433FD4C4-1106-4D2E-96DE-6CFA707ADD83}" presName="rootText" presStyleLbl="node3" presStyleIdx="5" presStyleCnt="7">
         <dgm:presLayoutVars>
           <dgm:chPref val="3"/>
         </dgm:presLayoutVars>
@@ -7288,7 +7507,7 @@
       <dgm:spPr/>
     </dgm:pt>
     <dgm:pt modelId="{FA276417-11D0-4A70-BA36-A2DC7D087C37}" type="pres">
-      <dgm:prSet presAssocID="{433FD4C4-1106-4D2E-96DE-6CFA707ADD83}" presName="rootConnector" presStyleLbl="node3" presStyleIdx="3" presStyleCnt="5"/>
+      <dgm:prSet presAssocID="{433FD4C4-1106-4D2E-96DE-6CFA707ADD83}" presName="rootConnector" presStyleLbl="node3" presStyleIdx="5" presStyleCnt="7"/>
       <dgm:spPr/>
     </dgm:pt>
     <dgm:pt modelId="{430EB138-B389-4D3A-99E4-6F6B816C52F6}" type="pres">
@@ -7304,7 +7523,7 @@
       <dgm:spPr/>
     </dgm:pt>
     <dgm:pt modelId="{C8AC677F-4695-4B22-9F95-1560C2D990BE}" type="pres">
-      <dgm:prSet presAssocID="{C457327A-45B9-45D4-A43D-51AFD0D9E573}" presName="Name50" presStyleLbl="parChTrans1D2" presStyleIdx="5" presStyleCnt="7"/>
+      <dgm:prSet presAssocID="{C457327A-45B9-45D4-A43D-51AFD0D9E573}" presName="Name50" presStyleLbl="parChTrans1D2" presStyleIdx="4" presStyleCnt="6"/>
       <dgm:spPr/>
     </dgm:pt>
     <dgm:pt modelId="{947829B2-5A99-4472-928A-E7883CB39CD8}" type="pres">
@@ -7320,7 +7539,7 @@
       <dgm:spPr/>
     </dgm:pt>
     <dgm:pt modelId="{143FED21-4CD2-4C5A-A221-8B723EED1859}" type="pres">
-      <dgm:prSet presAssocID="{7BD33BA3-38A6-442C-B591-EC57BDDF898D}" presName="rootText" presStyleLbl="node2" presStyleIdx="5" presStyleCnt="7">
+      <dgm:prSet presAssocID="{7BD33BA3-38A6-442C-B591-EC57BDDF898D}" presName="rootText" presStyleLbl="node2" presStyleIdx="4" presStyleCnt="6">
         <dgm:presLayoutVars>
           <dgm:chPref val="3"/>
         </dgm:presLayoutVars>
@@ -7328,7 +7547,7 @@
       <dgm:spPr/>
     </dgm:pt>
     <dgm:pt modelId="{D2DC7082-271C-468A-9AA1-E057703B7680}" type="pres">
-      <dgm:prSet presAssocID="{7BD33BA3-38A6-442C-B591-EC57BDDF898D}" presName="rootConnector" presStyleLbl="node2" presStyleIdx="5" presStyleCnt="7"/>
+      <dgm:prSet presAssocID="{7BD33BA3-38A6-442C-B591-EC57BDDF898D}" presName="rootConnector" presStyleLbl="node2" presStyleIdx="4" presStyleCnt="6"/>
       <dgm:spPr/>
     </dgm:pt>
     <dgm:pt modelId="{F7B44D28-5147-4DA5-B844-E0020F19265E}" type="pres">
@@ -7336,7 +7555,7 @@
       <dgm:spPr/>
     </dgm:pt>
     <dgm:pt modelId="{162CA7E5-7755-459D-AC90-FDAA89E03C19}" type="pres">
-      <dgm:prSet presAssocID="{F65DE379-A0BD-47BB-A92D-D1390038CFEE}" presName="Name37" presStyleLbl="parChTrans1D3" presStyleIdx="4" presStyleCnt="5"/>
+      <dgm:prSet presAssocID="{F65DE379-A0BD-47BB-A92D-D1390038CFEE}" presName="Name37" presStyleLbl="parChTrans1D3" presStyleIdx="6" presStyleCnt="7"/>
       <dgm:spPr/>
     </dgm:pt>
     <dgm:pt modelId="{4D428481-3094-434A-BF10-C76586982B24}" type="pres">
@@ -7352,7 +7571,7 @@
       <dgm:spPr/>
     </dgm:pt>
     <dgm:pt modelId="{24BE7AF1-8D91-4A09-A8C3-128156ADCE59}" type="pres">
-      <dgm:prSet presAssocID="{F2F4DBFF-3CE2-4395-81C4-59E0C2CFF758}" presName="rootText" presStyleLbl="node3" presStyleIdx="4" presStyleCnt="5">
+      <dgm:prSet presAssocID="{F2F4DBFF-3CE2-4395-81C4-59E0C2CFF758}" presName="rootText" presStyleLbl="node3" presStyleIdx="6" presStyleCnt="7">
         <dgm:presLayoutVars>
           <dgm:chPref val="3"/>
         </dgm:presLayoutVars>
@@ -7360,7 +7579,7 @@
       <dgm:spPr/>
     </dgm:pt>
     <dgm:pt modelId="{39251A19-1567-4706-92D1-4CBA56B523E7}" type="pres">
-      <dgm:prSet presAssocID="{F2F4DBFF-3CE2-4395-81C4-59E0C2CFF758}" presName="rootConnector" presStyleLbl="node3" presStyleIdx="4" presStyleCnt="5"/>
+      <dgm:prSet presAssocID="{F2F4DBFF-3CE2-4395-81C4-59E0C2CFF758}" presName="rootConnector" presStyleLbl="node3" presStyleIdx="6" presStyleCnt="7"/>
       <dgm:spPr/>
     </dgm:pt>
     <dgm:pt modelId="{D0A717FF-5FE2-4770-8F0D-2B5ABF282056}" type="pres">
@@ -7376,7 +7595,7 @@
       <dgm:spPr/>
     </dgm:pt>
     <dgm:pt modelId="{4C213D3D-D81F-4414-A34B-C4CB4DC4FCFA}" type="pres">
-      <dgm:prSet presAssocID="{9977E786-A8BE-4C94-BEC7-F6B5F83D5A6A}" presName="Name50" presStyleLbl="parChTrans1D2" presStyleIdx="6" presStyleCnt="7"/>
+      <dgm:prSet presAssocID="{9977E786-A8BE-4C94-BEC7-F6B5F83D5A6A}" presName="Name50" presStyleLbl="parChTrans1D2" presStyleIdx="5" presStyleCnt="6"/>
       <dgm:spPr/>
     </dgm:pt>
     <dgm:pt modelId="{EC853AE6-35D2-4798-BC75-C17BD15B5E5C}" type="pres">
@@ -7392,7 +7611,7 @@
       <dgm:spPr/>
     </dgm:pt>
     <dgm:pt modelId="{A3FE64B7-922D-401C-9F81-3299CC702BF5}" type="pres">
-      <dgm:prSet presAssocID="{A979E428-5203-4C05-9AB8-96E1AE5FE2BF}" presName="rootText" presStyleLbl="node2" presStyleIdx="6" presStyleCnt="7">
+      <dgm:prSet presAssocID="{A979E428-5203-4C05-9AB8-96E1AE5FE2BF}" presName="rootText" presStyleLbl="node2" presStyleIdx="5" presStyleCnt="6">
         <dgm:presLayoutVars>
           <dgm:chPref val="3"/>
         </dgm:presLayoutVars>
@@ -7400,7 +7619,7 @@
       <dgm:spPr/>
     </dgm:pt>
     <dgm:pt modelId="{6A584CA0-AC45-45CF-94F7-DB5F6E09A06E}" type="pres">
-      <dgm:prSet presAssocID="{A979E428-5203-4C05-9AB8-96E1AE5FE2BF}" presName="rootConnector" presStyleLbl="node2" presStyleIdx="6" presStyleCnt="7"/>
+      <dgm:prSet presAssocID="{A979E428-5203-4C05-9AB8-96E1AE5FE2BF}" presName="rootConnector" presStyleLbl="node2" presStyleIdx="5" presStyleCnt="6"/>
       <dgm:spPr/>
     </dgm:pt>
     <dgm:pt modelId="{5A9FC759-C5BF-4D88-9CC2-5AC6A904609C}" type="pres">
@@ -7418,58 +7637,70 @@
   </dgm:ptLst>
   <dgm:cxnLst>
     <dgm:cxn modelId="{03DD2500-B348-4506-92C7-01BB2ACEE58A}" srcId="{22106251-D891-4E15-A532-68329AB86D42}" destId="{A979E428-5203-4C05-9AB8-96E1AE5FE2BF}" srcOrd="2" destOrd="0" parTransId="{9977E786-A8BE-4C94-BEC7-F6B5F83D5A6A}" sibTransId="{4DC47035-C4ED-4A6E-9CEB-EA797C3285BB}"/>
-    <dgm:cxn modelId="{0A042703-2A8A-4936-913B-75709DBC18ED}" srcId="{15722F6B-FD96-461B-9444-48152DA7A34E}" destId="{6831283C-F409-411B-91EF-5AD8A5022A3E}" srcOrd="1" destOrd="0" parTransId="{670984BE-A73D-44B4-A0F5-452ACF83B8C1}" sibTransId="{1B0C315D-9571-452F-8476-4320790BDE54}"/>
+    <dgm:cxn modelId="{580A9702-2A42-4EAF-AD4E-513F06717500}" type="presOf" srcId="{B2023304-EC9A-4C8B-943A-EA4CC2330187}" destId="{226BEE7D-AF31-46E8-BC31-C4779C36D016}" srcOrd="1" destOrd="0" presId="urn:microsoft.com/office/officeart/2005/8/layout/orgChart1"/>
+    <dgm:cxn modelId="{0A042703-2A8A-4936-913B-75709DBC18ED}" srcId="{1A3787D2-2887-416D-B0E1-DFD2210CB5AD}" destId="{6831283C-F409-411B-91EF-5AD8A5022A3E}" srcOrd="0" destOrd="0" parTransId="{670984BE-A73D-44B4-A0F5-452ACF83B8C1}" sibTransId="{1B0C315D-9571-452F-8476-4320790BDE54}"/>
     <dgm:cxn modelId="{588A9804-3628-489B-9349-B5C27B9A03E2}" type="presOf" srcId="{433FD4C4-1106-4D2E-96DE-6CFA707ADD83}" destId="{FA276417-11D0-4A70-BA36-A2DC7D087C37}" srcOrd="1" destOrd="0" presId="urn:microsoft.com/office/officeart/2005/8/layout/orgChart1"/>
-    <dgm:cxn modelId="{5DCD7705-058D-40A3-96DD-7D2743EC4F3B}" type="presOf" srcId="{6831283C-F409-411B-91EF-5AD8A5022A3E}" destId="{3BFC4D69-F7D9-410A-9292-0F4AF5D82DB9}" srcOrd="0" destOrd="0" presId="urn:microsoft.com/office/officeart/2005/8/layout/orgChart1"/>
+    <dgm:cxn modelId="{80F3BE05-1B52-46F8-872A-15CF6AA77C88}" type="presOf" srcId="{F0FD3285-ABF1-45C2-8619-71AC20C32DD9}" destId="{199EC390-B0CD-4167-9846-6FD7066A67D0}" srcOrd="0" destOrd="0" presId="urn:microsoft.com/office/officeart/2005/8/layout/orgChart1"/>
     <dgm:cxn modelId="{98753306-60A3-4A6E-AF5E-7F48DF11F16D}" srcId="{22106251-D891-4E15-A532-68329AB86D42}" destId="{7BD33BA3-38A6-442C-B591-EC57BDDF898D}" srcOrd="1" destOrd="0" parTransId="{C457327A-45B9-45D4-A43D-51AFD0D9E573}" sibTransId="{1A7347B5-ED35-4CE7-BA5C-0FC2B45967D9}"/>
-    <dgm:cxn modelId="{F3246309-87C2-4A1F-B107-8CA8AFEED18D}" type="presOf" srcId="{FEDA92B8-80ED-4DC1-9AA9-28E25D6098E7}" destId="{DF73881F-2028-4306-BFC0-A22B7F515D52}" srcOrd="0" destOrd="0" presId="urn:microsoft.com/office/officeart/2005/8/layout/orgChart1"/>
     <dgm:cxn modelId="{DC78FC0E-9B6E-46FC-BA43-61A3A57C7C06}" srcId="{15722F6B-FD96-461B-9444-48152DA7A34E}" destId="{1A3787D2-2887-416D-B0E1-DFD2210CB5AD}" srcOrd="0" destOrd="0" parTransId="{494F1ADF-D564-4EBF-912D-D8A86F37D8DE}" sibTransId="{98525BF0-7DFD-424D-B64C-88C5E672E478}"/>
+    <dgm:cxn modelId="{D4B61513-64E8-4DC1-BC6C-749888BD8BE6}" type="presOf" srcId="{199D8F3E-1CD3-45C2-9783-3C6FA77C8C0F}" destId="{37557D71-FFA3-485D-94F8-08CDB9DD3DA6}" srcOrd="0" destOrd="0" presId="urn:microsoft.com/office/officeart/2005/8/layout/orgChart1"/>
     <dgm:cxn modelId="{8C6B7116-1669-4831-830B-EEF2CEC9597A}" type="presOf" srcId="{F65DE379-A0BD-47BB-A92D-D1390038CFEE}" destId="{162CA7E5-7755-459D-AC90-FDAA89E03C19}" srcOrd="0" destOrd="0" presId="urn:microsoft.com/office/officeart/2005/8/layout/orgChart1"/>
-    <dgm:cxn modelId="{162EDD1A-572A-44E7-8546-803ADFC5BD1B}" type="presOf" srcId="{F0FD3285-ABF1-45C2-8619-71AC20C32DD9}" destId="{A3CA0388-87D4-4BF3-9690-0BF78D92A091}" srcOrd="0" destOrd="0" presId="urn:microsoft.com/office/officeart/2005/8/layout/orgChart1"/>
-    <dgm:cxn modelId="{0DB1821F-A054-4BE5-8C82-0A5728741651}" srcId="{15722F6B-FD96-461B-9444-48152DA7A34E}" destId="{854DAFD1-1EA0-4FC2-BE54-11F64C72AF6A}" srcOrd="2" destOrd="0" parTransId="{F0FD3285-ABF1-45C2-8619-71AC20C32DD9}" sibTransId="{AF6353FF-91AC-4A93-A177-E8461BB1F367}"/>
-    <dgm:cxn modelId="{119BA222-CEB3-4DB1-A789-E1964BDC6B19}" type="presOf" srcId="{1F7793AA-64A7-4CBE-A1AB-176870BF24A8}" destId="{FD4BFCCC-2998-4930-884E-C7F6282CB671}" srcOrd="1" destOrd="0" presId="urn:microsoft.com/office/officeart/2005/8/layout/orgChart1"/>
+    <dgm:cxn modelId="{859A5517-70B7-482E-A590-E48E8C313905}" type="presOf" srcId="{63BA4BD6-2FD3-4AEE-967C-14ACC938E9E8}" destId="{BB477CE8-EE9C-4531-8791-F3F451EF4FB6}" srcOrd="0" destOrd="0" presId="urn:microsoft.com/office/officeart/2005/8/layout/orgChart1"/>
+    <dgm:cxn modelId="{0DB1821F-A054-4BE5-8C82-0A5728741651}" srcId="{15722F6B-FD96-461B-9444-48152DA7A34E}" destId="{854DAFD1-1EA0-4FC2-BE54-11F64C72AF6A}" srcOrd="1" destOrd="0" parTransId="{F0FD3285-ABF1-45C2-8619-71AC20C32DD9}" sibTransId="{AF6353FF-91AC-4A93-A177-E8461BB1F367}"/>
+    <dgm:cxn modelId="{82A97620-4AF7-4B3F-A9C6-38501430CB08}" type="presOf" srcId="{6831283C-F409-411B-91EF-5AD8A5022A3E}" destId="{EA440890-0E78-4A75-BA66-A61299C86410}" srcOrd="1" destOrd="0" presId="urn:microsoft.com/office/officeart/2005/8/layout/orgChart1"/>
     <dgm:cxn modelId="{DB0E3D23-F652-4725-86E5-21B7C49821C5}" srcId="{D1D3B346-1578-40BE-AAC0-B2E87ABD9C39}" destId="{E33B27EC-255E-4EBD-B918-DDDF25F0CF22}" srcOrd="1" destOrd="0" parTransId="{C5E445FB-05C8-4125-9F22-991CE0A850A7}" sibTransId="{E7F3B800-CE5E-4D83-B474-00B3CB232607}"/>
+    <dgm:cxn modelId="{0496F026-8AFA-41AB-99A7-1E299FE3192E}" type="presOf" srcId="{DE526A19-BB83-4D9D-9003-5F8EDBBF4020}" destId="{5AE74728-F236-4111-A0FC-EA35D353AE79}" srcOrd="0" destOrd="0" presId="urn:microsoft.com/office/officeart/2005/8/layout/orgChart1"/>
     <dgm:cxn modelId="{75DE6E28-BEF4-40DC-9B46-F5DAAB2001BF}" type="presOf" srcId="{15722F6B-FD96-461B-9444-48152DA7A34E}" destId="{1A538AD2-B9BB-4430-AC38-997FC3AA91ED}" srcOrd="0" destOrd="0" presId="urn:microsoft.com/office/officeart/2005/8/layout/orgChart1"/>
     <dgm:cxn modelId="{BB805B2A-2CC3-4051-A243-83196259B5AE}" type="presOf" srcId="{A979E428-5203-4C05-9AB8-96E1AE5FE2BF}" destId="{6A584CA0-AC45-45CF-94F7-DB5F6E09A06E}" srcOrd="1" destOrd="0" presId="urn:microsoft.com/office/officeart/2005/8/layout/orgChart1"/>
     <dgm:cxn modelId="{A71A9C34-CD72-4ED2-A45B-EA8423AF50FF}" srcId="{A219BEE4-394C-47B5-BA3F-A03FA2FF1A18}" destId="{22106251-D891-4E15-A532-68329AB86D42}" srcOrd="1" destOrd="0" parTransId="{C19FCDA9-8B1E-40A5-8913-13D6266B657D}" sibTransId="{DB6CD43E-4D63-42E6-9D9D-6FB4035E7A9F}"/>
-    <dgm:cxn modelId="{6CE76535-4D5A-4641-A379-4A495A447863}" type="presOf" srcId="{670984BE-A73D-44B4-A0F5-452ACF83B8C1}" destId="{D9DF9432-E556-48DD-9D70-A33037974F4C}" srcOrd="0" destOrd="0" presId="urn:microsoft.com/office/officeart/2005/8/layout/orgChart1"/>
+    <dgm:cxn modelId="{AB43E83A-CE15-441E-832F-7D0A3D159AA6}" srcId="{6831283C-F409-411B-91EF-5AD8A5022A3E}" destId="{C1D34EA1-2FDF-42AD-BDB7-445E266A3049}" srcOrd="1" destOrd="0" parTransId="{CD045E66-117D-448A-BB89-0AC5248837C7}" sibTransId="{186AFF3E-A44A-45CD-A594-41035E0B3963}"/>
     <dgm:cxn modelId="{ED875742-EB63-4D9D-B445-A48DD5241664}" type="presOf" srcId="{854DAFD1-1EA0-4FC2-BE54-11F64C72AF6A}" destId="{73D7F4D0-6F95-467A-9021-698C63D66C37}" srcOrd="0" destOrd="0" presId="urn:microsoft.com/office/officeart/2005/8/layout/orgChart1"/>
     <dgm:cxn modelId="{7FDF2065-797B-4DEB-A798-3105047577AB}" srcId="{579E0539-AF00-477A-8D40-6E8B4FC73A47}" destId="{433FD4C4-1106-4D2E-96DE-6CFA707ADD83}" srcOrd="0" destOrd="0" parTransId="{D3CDF6E4-A75F-430D-9D7B-B0A41E3BAEE9}" sibTransId="{FC9C414B-0EA2-4876-B5C6-EF1FF62BD2F7}"/>
     <dgm:cxn modelId="{090B7F67-A40A-480D-8DBC-9B8ED97D206C}" type="presOf" srcId="{46CC2924-2CCA-4898-A83F-9CA085B3C9F2}" destId="{F04D42CF-2F1A-4FA0-8DE5-365FFE66E0CA}" srcOrd="0" destOrd="0" presId="urn:microsoft.com/office/officeart/2005/8/layout/orgChart1"/>
     <dgm:cxn modelId="{B535234A-A478-4B8A-8847-4F6FA120852E}" type="presOf" srcId="{22106251-D891-4E15-A532-68329AB86D42}" destId="{F7333770-E129-44DC-9A7D-6AFF00EBB5C6}" srcOrd="0" destOrd="0" presId="urn:microsoft.com/office/officeart/2005/8/layout/orgChart1"/>
     <dgm:cxn modelId="{894BFA6B-1E1C-45B5-898A-06691D9CADBD}" type="presOf" srcId="{E33B27EC-255E-4EBD-B918-DDDF25F0CF22}" destId="{9B709F09-718B-456D-972E-2220C10A21F5}" srcOrd="1" destOrd="0" presId="urn:microsoft.com/office/officeart/2005/8/layout/orgChart1"/>
+    <dgm:cxn modelId="{FB24196C-8DBC-4FEB-A4AE-7711374DB5EE}" type="presOf" srcId="{A6EE69EA-8626-4652-95CE-E53ACCAE78A7}" destId="{5AD17794-CF36-4307-B2F5-6EE7F0724F31}" srcOrd="0" destOrd="0" presId="urn:microsoft.com/office/officeart/2005/8/layout/orgChart1"/>
     <dgm:cxn modelId="{89580C4D-E215-49B8-9284-93F43FE0B89B}" type="presOf" srcId="{854DAFD1-1EA0-4FC2-BE54-11F64C72AF6A}" destId="{D597909A-9611-47A9-83A3-3468983AEBD7}" srcOrd="1" destOrd="0" presId="urn:microsoft.com/office/officeart/2005/8/layout/orgChart1"/>
-    <dgm:cxn modelId="{D2C54570-A55C-4B16-8A37-5774B80F5176}" type="presOf" srcId="{6831283C-F409-411B-91EF-5AD8A5022A3E}" destId="{EA440890-0E78-4A75-BA66-A61299C86410}" srcOrd="1" destOrd="0" presId="urn:microsoft.com/office/officeart/2005/8/layout/orgChart1"/>
-    <dgm:cxn modelId="{80017172-0E85-4248-9C7B-FFA206B6827B}" srcId="{D1D3B346-1578-40BE-AAC0-B2E87ABD9C39}" destId="{1F7793AA-64A7-4CBE-A1AB-176870BF24A8}" srcOrd="2" destOrd="0" parTransId="{FEDA92B8-80ED-4DC1-9AA9-28E25D6098E7}" sibTransId="{78F0E74C-6EBE-4BE8-8DDD-36EBA5D196BD}"/>
     <dgm:cxn modelId="{20A7E255-42EC-4DEF-95CE-3DD3E6E567B8}" type="presOf" srcId="{C457327A-45B9-45D4-A43D-51AFD0D9E573}" destId="{C8AC677F-4695-4B22-9F95-1560C2D990BE}" srcOrd="0" destOrd="0" presId="urn:microsoft.com/office/officeart/2005/8/layout/orgChart1"/>
-    <dgm:cxn modelId="{F4A93F77-EFB2-4896-929A-A49FCD5EF461}" type="presOf" srcId="{1F7793AA-64A7-4CBE-A1AB-176870BF24A8}" destId="{015209CF-02A8-40B2-A862-FFF789D7FDF9}" srcOrd="0" destOrd="0" presId="urn:microsoft.com/office/officeart/2005/8/layout/orgChart1"/>
+    <dgm:cxn modelId="{B4893559-3CCE-4D4C-AF72-63B799136E8D}" type="presOf" srcId="{C1D34EA1-2FDF-42AD-BDB7-445E266A3049}" destId="{F833648F-FA50-47D7-86B9-F5A148E532AF}" srcOrd="1" destOrd="0" presId="urn:microsoft.com/office/officeart/2005/8/layout/orgChart1"/>
     <dgm:cxn modelId="{DF138D59-1C60-4D9B-80A6-C5D92B064C04}" type="presOf" srcId="{A979E428-5203-4C05-9AB8-96E1AE5FE2BF}" destId="{A3FE64B7-922D-401C-9F81-3299CC702BF5}" srcOrd="0" destOrd="0" presId="urn:microsoft.com/office/officeart/2005/8/layout/orgChart1"/>
-    <dgm:cxn modelId="{8ABCD67B-C74B-4229-9B48-00EAD92E8D8E}" type="presOf" srcId="{C5E445FB-05C8-4125-9F22-991CE0A850A7}" destId="{86389C67-E9D5-43BD-976E-67898FF39CF8}" srcOrd="0" destOrd="0" presId="urn:microsoft.com/office/officeart/2005/8/layout/orgChart1"/>
     <dgm:cxn modelId="{A64EC27C-7CEB-4BD2-9A40-84A69BF4A871}" type="presOf" srcId="{9977E786-A8BE-4C94-BEC7-F6B5F83D5A6A}" destId="{4C213D3D-D81F-4414-A34B-C4CB4DC4FCFA}" srcOrd="0" destOrd="0" presId="urn:microsoft.com/office/officeart/2005/8/layout/orgChart1"/>
     <dgm:cxn modelId="{E610407E-DADC-405C-9CCE-05AF5D9AE8F7}" type="presOf" srcId="{1A3787D2-2887-416D-B0E1-DFD2210CB5AD}" destId="{D227F926-D91D-4D33-AC49-2D95296BE798}" srcOrd="0" destOrd="0" presId="urn:microsoft.com/office/officeart/2005/8/layout/orgChart1"/>
+    <dgm:cxn modelId="{52821D80-9F93-4EF2-8D4B-9C90D62B4095}" type="presOf" srcId="{62664992-43A6-475C-BB63-FC2D8B9CEA0A}" destId="{126975FA-B586-4865-9B0F-892175514C9E}" srcOrd="0" destOrd="0" presId="urn:microsoft.com/office/officeart/2005/8/layout/orgChart1"/>
     <dgm:cxn modelId="{650B9281-4457-4476-A9E2-1FA8E4D1D464}" type="presOf" srcId="{7BD33BA3-38A6-442C-B591-EC57BDDF898D}" destId="{D2DC7082-271C-468A-9AA1-E057703B7680}" srcOrd="1" destOrd="0" presId="urn:microsoft.com/office/officeart/2005/8/layout/orgChart1"/>
     <dgm:cxn modelId="{0E427483-E3FA-4866-9A84-353B3BE49FB8}" type="presOf" srcId="{15722F6B-FD96-461B-9444-48152DA7A34E}" destId="{5AC284BE-8FF6-4C1B-91B4-F20D9038C900}" srcOrd="1" destOrd="0" presId="urn:microsoft.com/office/officeart/2005/8/layout/orgChart1"/>
-    <dgm:cxn modelId="{52141D89-508A-4E20-8B9B-FEB0433BBA69}" type="presOf" srcId="{494F1ADF-D564-4EBF-912D-D8A86F37D8DE}" destId="{6782154B-719D-4D47-BA7E-81C5C7E3D869}" srcOrd="0" destOrd="0" presId="urn:microsoft.com/office/officeart/2005/8/layout/orgChart1"/>
+    <dgm:cxn modelId="{B8992785-847F-43AA-81C5-098991EA63C8}" type="presOf" srcId="{CD045E66-117D-448A-BB89-0AC5248837C7}" destId="{ECEB23CB-F2E5-466A-99C7-8854D12A23F6}" srcOrd="0" destOrd="0" presId="urn:microsoft.com/office/officeart/2005/8/layout/orgChart1"/>
     <dgm:cxn modelId="{986DF88B-9678-45B4-8933-C6C44D22BA07}" type="presOf" srcId="{A219BEE4-394C-47B5-BA3F-A03FA2FF1A18}" destId="{3025346D-9964-4670-B035-3AE174DBFBFB}" srcOrd="0" destOrd="0" presId="urn:microsoft.com/office/officeart/2005/8/layout/orgChart1"/>
     <dgm:cxn modelId="{E3ABAC93-0910-40B1-91D1-A128B9003D12}" type="presOf" srcId="{579E0539-AF00-477A-8D40-6E8B4FC73A47}" destId="{D716F132-3EE0-44D2-98D6-7805645162CF}" srcOrd="1" destOrd="0" presId="urn:microsoft.com/office/officeart/2005/8/layout/orgChart1"/>
     <dgm:cxn modelId="{93FE9F94-5873-4E8B-AAD1-035EA564EE05}" type="presOf" srcId="{D1D3B346-1578-40BE-AAC0-B2E87ABD9C39}" destId="{E81AD88E-02FD-49FD-B0F4-1075A5710422}" srcOrd="1" destOrd="0" presId="urn:microsoft.com/office/officeart/2005/8/layout/orgChart1"/>
-    <dgm:cxn modelId="{E4EFDD9B-18A3-4145-B3EF-7E156BC2A246}" type="presOf" srcId="{67017896-DD2E-4AB4-8A09-55BBD9A236BE}" destId="{B542F1CB-ED74-4321-84B5-51E3EC00E830}" srcOrd="0" destOrd="0" presId="urn:microsoft.com/office/officeart/2005/8/layout/orgChart1"/>
+    <dgm:cxn modelId="{5F36B29C-5479-4A1C-9DCE-B33EDDA438D0}" type="presOf" srcId="{670984BE-A73D-44B4-A0F5-452ACF83B8C1}" destId="{80CD6AC6-AF55-43D5-8135-08B22832FDB2}" srcOrd="0" destOrd="0" presId="urn:microsoft.com/office/officeart/2005/8/layout/orgChart1"/>
     <dgm:cxn modelId="{11698CA0-29A2-432A-965F-1301AEE4E505}" type="presOf" srcId="{7BD33BA3-38A6-442C-B591-EC57BDDF898D}" destId="{143FED21-4CD2-4C5A-A221-8B723EED1859}" srcOrd="0" destOrd="0" presId="urn:microsoft.com/office/officeart/2005/8/layout/orgChart1"/>
+    <dgm:cxn modelId="{6F73EFA0-B9E1-4C91-9482-B064903A3692}" srcId="{6831283C-F409-411B-91EF-5AD8A5022A3E}" destId="{48CE4803-7FC8-44D8-8018-A77C45A2F24E}" srcOrd="0" destOrd="0" parTransId="{DE526A19-BB83-4D9D-9003-5F8EDBBF4020}" sibTransId="{444A8C12-0DB2-4721-8015-015031BD5200}"/>
     <dgm:cxn modelId="{0AC448A7-DEE0-44BF-98B6-D90F74A00A69}" type="presOf" srcId="{579E0539-AF00-477A-8D40-6E8B4FC73A47}" destId="{7223BD76-A0B8-420D-86E7-A7933E5308A3}" srcOrd="0" destOrd="0" presId="urn:microsoft.com/office/officeart/2005/8/layout/orgChart1"/>
-    <dgm:cxn modelId="{011702AB-C01A-497F-8709-6F8997AC0114}" type="presOf" srcId="{62664992-43A6-475C-BB63-FC2D8B9CEA0A}" destId="{1E298CD2-0E8D-41C9-9C61-2AF3E247F189}" srcOrd="0" destOrd="0" presId="urn:microsoft.com/office/officeart/2005/8/layout/orgChart1"/>
     <dgm:cxn modelId="{15F21CAB-BF5B-4353-AEE4-37A3D0238572}" srcId="{A219BEE4-394C-47B5-BA3F-A03FA2FF1A18}" destId="{15722F6B-FD96-461B-9444-48152DA7A34E}" srcOrd="0" destOrd="0" parTransId="{62DA4FB4-E500-41A4-B2D0-527110E73DE7}" sibTransId="{CB47E068-E083-44A1-B649-E78DC996CD7E}"/>
     <dgm:cxn modelId="{C7B813AC-67C4-49C8-89CB-6A0FEE45B39B}" type="presOf" srcId="{22106251-D891-4E15-A532-68329AB86D42}" destId="{B5DD9444-2FFA-4481-8B7F-FF98CE72E971}" srcOrd="1" destOrd="0" presId="urn:microsoft.com/office/officeart/2005/8/layout/orgChart1"/>
-    <dgm:cxn modelId="{30395AB0-E09F-4C39-9EFD-0C43019D559F}" srcId="{15722F6B-FD96-461B-9444-48152DA7A34E}" destId="{D1D3B346-1578-40BE-AAC0-B2E87ABD9C39}" srcOrd="3" destOrd="0" parTransId="{62664992-43A6-475C-BB63-FC2D8B9CEA0A}" sibTransId="{BCEDEE06-C8E5-4026-8D35-9066A32B8C90}"/>
+    <dgm:cxn modelId="{30395AB0-E09F-4C39-9EFD-0C43019D559F}" srcId="{15722F6B-FD96-461B-9444-48152DA7A34E}" destId="{D1D3B346-1578-40BE-AAC0-B2E87ABD9C39}" srcOrd="2" destOrd="0" parTransId="{62664992-43A6-475C-BB63-FC2D8B9CEA0A}" sibTransId="{BCEDEE06-C8E5-4026-8D35-9066A32B8C90}"/>
+    <dgm:cxn modelId="{F19CA1B2-252F-4E5A-8055-6C313C6256FC}" type="presOf" srcId="{67017896-DD2E-4AB4-8A09-55BBD9A236BE}" destId="{2EDE3080-CCAE-40EC-9DCD-0704F45B0326}" srcOrd="0" destOrd="0" presId="urn:microsoft.com/office/officeart/2005/8/layout/orgChart1"/>
     <dgm:cxn modelId="{6410BDB6-84FA-48C2-87EB-B96FCEEF2461}" type="presOf" srcId="{F2F4DBFF-3CE2-4395-81C4-59E0C2CFF758}" destId="{39251A19-1567-4706-92D1-4CBA56B523E7}" srcOrd="1" destOrd="0" presId="urn:microsoft.com/office/officeart/2005/8/layout/orgChart1"/>
+    <dgm:cxn modelId="{5756D8B7-B627-4672-A497-05B7FF4021AD}" type="presOf" srcId="{48CE4803-7FC8-44D8-8018-A77C45A2F24E}" destId="{F49895D7-B24F-41D7-BBF2-42967AEC50E7}" srcOrd="0" destOrd="0" presId="urn:microsoft.com/office/officeart/2005/8/layout/orgChart1"/>
     <dgm:cxn modelId="{A07F38B8-AAE6-4910-ADE4-AE7EFFFCCEFB}" type="presOf" srcId="{433FD4C4-1106-4D2E-96DE-6CFA707ADD83}" destId="{64C86C4E-8F43-4B6A-8A2F-ABDCD98B5378}" srcOrd="0" destOrd="0" presId="urn:microsoft.com/office/officeart/2005/8/layout/orgChart1"/>
     <dgm:cxn modelId="{CE307FB8-46DC-4D40-8D77-0D9C3AB827D3}" type="presOf" srcId="{3BEB0C8B-BB6D-4C42-95B1-5D1A74090000}" destId="{ADA0F333-12EB-4464-8FA1-1F09E6D51552}" srcOrd="0" destOrd="0" presId="urn:microsoft.com/office/officeart/2005/8/layout/orgChart1"/>
     <dgm:cxn modelId="{CAB118BA-4BE2-49B6-A536-ED303FD27DDF}" type="presOf" srcId="{E33B27EC-255E-4EBD-B918-DDDF25F0CF22}" destId="{13E89706-6D22-4BD3-AD1F-1B8C91E6849A}" srcOrd="0" destOrd="0" presId="urn:microsoft.com/office/officeart/2005/8/layout/orgChart1"/>
     <dgm:cxn modelId="{C1E0E4BC-7C62-41C8-A838-5434F0344721}" type="presOf" srcId="{D1D3B346-1578-40BE-AAC0-B2E87ABD9C39}" destId="{4D79EC49-F480-49D6-B693-46EE305645E5}" srcOrd="0" destOrd="0" presId="urn:microsoft.com/office/officeart/2005/8/layout/orgChart1"/>
     <dgm:cxn modelId="{C35ECBBD-0AEF-4969-8FFE-C6B98966E2D6}" srcId="{7BD33BA3-38A6-442C-B591-EC57BDDF898D}" destId="{F2F4DBFF-3CE2-4395-81C4-59E0C2CFF758}" srcOrd="0" destOrd="0" parTransId="{F65DE379-A0BD-47BB-A92D-D1390038CFEE}" sibTransId="{0D859F0B-623F-4282-9A2A-6464E0628897}"/>
+    <dgm:cxn modelId="{127D4BC0-3D3B-42F3-95A1-60E22FB3B37E}" srcId="{854DAFD1-1EA0-4FC2-BE54-11F64C72AF6A}" destId="{199D8F3E-1CD3-45C2-9783-3C6FA77C8C0F}" srcOrd="0" destOrd="0" parTransId="{63BA4BD6-2FD3-4AEE-967C-14ACC938E9E8}" sibTransId="{7B3D24B8-76CD-439A-B56B-0221A9AB0153}"/>
     <dgm:cxn modelId="{024474C5-176C-4DBE-96CC-01FE28CC8F9C}" srcId="{D1D3B346-1578-40BE-AAC0-B2E87ABD9C39}" destId="{46CC2924-2CCA-4898-A83F-9CA085B3C9F2}" srcOrd="0" destOrd="0" parTransId="{67017896-DD2E-4AB4-8A09-55BBD9A236BE}" sibTransId="{CFB9FB10-5623-4846-97A9-F7F86E0BFDE5}"/>
+    <dgm:cxn modelId="{BB2526C7-2453-44B7-8342-E627BBE66429}" type="presOf" srcId="{C1D34EA1-2FDF-42AD-BDB7-445E266A3049}" destId="{598B4173-D3EF-45D9-942A-B1135348D2CF}" srcOrd="0" destOrd="0" presId="urn:microsoft.com/office/officeart/2005/8/layout/orgChart1"/>
+    <dgm:cxn modelId="{784257C9-CEF1-46E7-B95E-DC8E7F703781}" type="presOf" srcId="{C5E445FB-05C8-4125-9F22-991CE0A850A7}" destId="{51DFC038-98B8-4E37-A84D-5DFB8F319E80}" srcOrd="0" destOrd="0" presId="urn:microsoft.com/office/officeart/2005/8/layout/orgChart1"/>
     <dgm:cxn modelId="{C90C2FCB-048B-4585-9424-2E7A14456F8C}" type="presOf" srcId="{1A3787D2-2887-416D-B0E1-DFD2210CB5AD}" destId="{0A1D7F60-1EA3-4400-B8E0-64A5CDBF03FB}" srcOrd="1" destOrd="0" presId="urn:microsoft.com/office/officeart/2005/8/layout/orgChart1"/>
+    <dgm:cxn modelId="{1F3AD9CB-094F-49FF-8201-24A3C22DC1EC}" type="presOf" srcId="{B2023304-EC9A-4C8B-943A-EA4CC2330187}" destId="{AB92E32C-B437-4F31-B351-74667AEBFFD4}" srcOrd="0" destOrd="0" presId="urn:microsoft.com/office/officeart/2005/8/layout/orgChart1"/>
     <dgm:cxn modelId="{CAA8E3D0-5481-4619-B12E-F718B6918E28}" srcId="{22106251-D891-4E15-A532-68329AB86D42}" destId="{579E0539-AF00-477A-8D40-6E8B4FC73A47}" srcOrd="0" destOrd="0" parTransId="{3BEB0C8B-BB6D-4C42-95B1-5D1A74090000}" sibTransId="{8E7D7392-94DE-4207-9486-8E211EC0281F}"/>
+    <dgm:cxn modelId="{B844ADD8-C104-47FC-AC6B-C00F2446A66E}" type="presOf" srcId="{199D8F3E-1CD3-45C2-9783-3C6FA77C8C0F}" destId="{5AC6752B-B276-44DC-8E52-55D48472FB1F}" srcOrd="1" destOrd="0" presId="urn:microsoft.com/office/officeart/2005/8/layout/orgChart1"/>
+    <dgm:cxn modelId="{4CD96BDC-0BC0-4121-81FA-5149288CBBE4}" type="presOf" srcId="{6831283C-F409-411B-91EF-5AD8A5022A3E}" destId="{3BFC4D69-F7D9-410A-9292-0F4AF5D82DB9}" srcOrd="0" destOrd="0" presId="urn:microsoft.com/office/officeart/2005/8/layout/orgChart1"/>
+    <dgm:cxn modelId="{DC9378E7-7705-4B60-80F9-6EBA67E057A8}" type="presOf" srcId="{48CE4803-7FC8-44D8-8018-A77C45A2F24E}" destId="{78AF77F5-816C-45C6-AB97-041BE3B9F3D7}" srcOrd="1" destOrd="0" presId="urn:microsoft.com/office/officeart/2005/8/layout/orgChart1"/>
     <dgm:cxn modelId="{A5018BEA-6FD1-43E7-8DAF-C0F508686484}" type="presOf" srcId="{46CC2924-2CCA-4898-A83F-9CA085B3C9F2}" destId="{B2AC2D3E-B129-4D65-9B41-CEE4370CF14D}" srcOrd="1" destOrd="0" presId="urn:microsoft.com/office/officeart/2005/8/layout/orgChart1"/>
+    <dgm:cxn modelId="{C11724EB-B59F-4A9D-939E-7BF9E91246C9}" srcId="{1A3787D2-2887-416D-B0E1-DFD2210CB5AD}" destId="{B2023304-EC9A-4C8B-943A-EA4CC2330187}" srcOrd="1" destOrd="0" parTransId="{A6EE69EA-8626-4652-95CE-E53ACCAE78A7}" sibTransId="{A81581BF-6A02-43BA-923F-C85CD0DCF57F}"/>
+    <dgm:cxn modelId="{47D61CEF-2DD5-4E93-A2B2-C894B1AF5759}" type="presOf" srcId="{494F1ADF-D564-4EBF-912D-D8A86F37D8DE}" destId="{2E71C4F4-78EF-451C-AD16-2B4D1CEAD292}" srcOrd="0" destOrd="0" presId="urn:microsoft.com/office/officeart/2005/8/layout/orgChart1"/>
     <dgm:cxn modelId="{4B967AFA-4CCA-4572-8F32-90297FA56104}" type="presOf" srcId="{F2F4DBFF-3CE2-4395-81C4-59E0C2CFF758}" destId="{24BE7AF1-8D91-4A09-A8C3-128156ADCE59}" srcOrd="0" destOrd="0" presId="urn:microsoft.com/office/officeart/2005/8/layout/orgChart1"/>
     <dgm:cxn modelId="{780B72FD-AAFA-4CA8-996F-6E94AD9ACE01}" type="presOf" srcId="{D3CDF6E4-A75F-430D-9D7B-B0A41E3BAEE9}" destId="{A9980D17-C1ED-45A0-B1AE-1E20629CDBEE}" srcOrd="0" destOrd="0" presId="urn:microsoft.com/office/officeart/2005/8/layout/orgChart1"/>
     <dgm:cxn modelId="{AE0C6784-57DF-4A53-8564-E07CB57EE931}" type="presParOf" srcId="{3025346D-9964-4670-B035-3AE174DBFBFB}" destId="{D1C4FC27-B741-473A-8036-EB09AF68F14B}" srcOrd="0" destOrd="0" presId="urn:microsoft.com/office/officeart/2005/8/layout/orgChart1"/>
@@ -7477,54 +7708,75 @@
     <dgm:cxn modelId="{D7C3BFBF-E790-4BD7-89CD-C8E150355569}" type="presParOf" srcId="{CDAB3A8A-DAD2-4140-B1EE-DFB8E2E1C9F4}" destId="{1A538AD2-B9BB-4430-AC38-997FC3AA91ED}" srcOrd="0" destOrd="0" presId="urn:microsoft.com/office/officeart/2005/8/layout/orgChart1"/>
     <dgm:cxn modelId="{58D20E7D-12EC-47D6-9626-6C4B55639E1C}" type="presParOf" srcId="{CDAB3A8A-DAD2-4140-B1EE-DFB8E2E1C9F4}" destId="{5AC284BE-8FF6-4C1B-91B4-F20D9038C900}" srcOrd="1" destOrd="0" presId="urn:microsoft.com/office/officeart/2005/8/layout/orgChart1"/>
     <dgm:cxn modelId="{BAB2AEED-7B0D-4A1D-B4CF-A2859F47B6F0}" type="presParOf" srcId="{D1C4FC27-B741-473A-8036-EB09AF68F14B}" destId="{6AB51269-15CB-420E-9770-183F78D370CC}" srcOrd="1" destOrd="0" presId="urn:microsoft.com/office/officeart/2005/8/layout/orgChart1"/>
-    <dgm:cxn modelId="{ACE01597-62B0-44EA-9E8E-F7360A32AADB}" type="presParOf" srcId="{6AB51269-15CB-420E-9770-183F78D370CC}" destId="{6782154B-719D-4D47-BA7E-81C5C7E3D869}" srcOrd="0" destOrd="0" presId="urn:microsoft.com/office/officeart/2005/8/layout/orgChart1"/>
+    <dgm:cxn modelId="{24182345-B166-4028-AF91-E3734FA9139B}" type="presParOf" srcId="{6AB51269-15CB-420E-9770-183F78D370CC}" destId="{2E71C4F4-78EF-451C-AD16-2B4D1CEAD292}" srcOrd="0" destOrd="0" presId="urn:microsoft.com/office/officeart/2005/8/layout/orgChart1"/>
     <dgm:cxn modelId="{BA6B4868-2E50-4093-9ED6-A33762BEA741}" type="presParOf" srcId="{6AB51269-15CB-420E-9770-183F78D370CC}" destId="{A474CD6E-AF88-4EC8-8833-6ABEBF2C9166}" srcOrd="1" destOrd="0" presId="urn:microsoft.com/office/officeart/2005/8/layout/orgChart1"/>
     <dgm:cxn modelId="{97E94321-1BDB-4F10-AEDA-8C7444D11926}" type="presParOf" srcId="{A474CD6E-AF88-4EC8-8833-6ABEBF2C9166}" destId="{607DD9F1-83C4-4BB3-B153-6ACA4F58D4B2}" srcOrd="0" destOrd="0" presId="urn:microsoft.com/office/officeart/2005/8/layout/orgChart1"/>
     <dgm:cxn modelId="{5961D3EA-808F-4901-B8EE-79C9FEF6F6D4}" type="presParOf" srcId="{607DD9F1-83C4-4BB3-B153-6ACA4F58D4B2}" destId="{D227F926-D91D-4D33-AC49-2D95296BE798}" srcOrd="0" destOrd="0" presId="urn:microsoft.com/office/officeart/2005/8/layout/orgChart1"/>
     <dgm:cxn modelId="{84EB6A12-4731-4C2F-BF03-F4FB71CAA7FE}" type="presParOf" srcId="{607DD9F1-83C4-4BB3-B153-6ACA4F58D4B2}" destId="{0A1D7F60-1EA3-4400-B8E0-64A5CDBF03FB}" srcOrd="1" destOrd="0" presId="urn:microsoft.com/office/officeart/2005/8/layout/orgChart1"/>
     <dgm:cxn modelId="{AB406FB2-276C-41B9-919B-1A5BFC4542D0}" type="presParOf" srcId="{A474CD6E-AF88-4EC8-8833-6ABEBF2C9166}" destId="{F1E6EC3A-B378-43F7-86E7-9EFC23A8EC89}" srcOrd="1" destOrd="0" presId="urn:microsoft.com/office/officeart/2005/8/layout/orgChart1"/>
+    <dgm:cxn modelId="{E5689AA0-E97F-4EFA-96AD-C7AF6C4BBC36}" type="presParOf" srcId="{F1E6EC3A-B378-43F7-86E7-9EFC23A8EC89}" destId="{80CD6AC6-AF55-43D5-8135-08B22832FDB2}" srcOrd="0" destOrd="0" presId="urn:microsoft.com/office/officeart/2005/8/layout/orgChart1"/>
+    <dgm:cxn modelId="{268F6C01-C8AA-4031-9010-51C8B432AA94}" type="presParOf" srcId="{F1E6EC3A-B378-43F7-86E7-9EFC23A8EC89}" destId="{3035F842-551C-4A98-9AF6-66F4D027DBCC}" srcOrd="1" destOrd="0" presId="urn:microsoft.com/office/officeart/2005/8/layout/orgChart1"/>
+    <dgm:cxn modelId="{B1EE1711-A08E-4051-96F6-D374E0FF9498}" type="presParOf" srcId="{3035F842-551C-4A98-9AF6-66F4D027DBCC}" destId="{BD502310-619C-4B85-B035-282EE37B1A32}" srcOrd="0" destOrd="0" presId="urn:microsoft.com/office/officeart/2005/8/layout/orgChart1"/>
+    <dgm:cxn modelId="{C1448DC7-B0E0-44B3-9A2F-1936E4451228}" type="presParOf" srcId="{BD502310-619C-4B85-B035-282EE37B1A32}" destId="{3BFC4D69-F7D9-410A-9292-0F4AF5D82DB9}" srcOrd="0" destOrd="0" presId="urn:microsoft.com/office/officeart/2005/8/layout/orgChart1"/>
+    <dgm:cxn modelId="{169BCBB6-FB21-4759-B074-1C170CFA38DF}" type="presParOf" srcId="{BD502310-619C-4B85-B035-282EE37B1A32}" destId="{EA440890-0E78-4A75-BA66-A61299C86410}" srcOrd="1" destOrd="0" presId="urn:microsoft.com/office/officeart/2005/8/layout/orgChart1"/>
+    <dgm:cxn modelId="{5F21F257-DAAB-4A2E-ADBF-F1F459B936C7}" type="presParOf" srcId="{3035F842-551C-4A98-9AF6-66F4D027DBCC}" destId="{4783371F-F4E5-4568-89FB-D440872CA735}" srcOrd="1" destOrd="0" presId="urn:microsoft.com/office/officeart/2005/8/layout/orgChart1"/>
+    <dgm:cxn modelId="{1BC1A1F6-D456-44E9-AB49-ABA381BAECF2}" type="presParOf" srcId="{4783371F-F4E5-4568-89FB-D440872CA735}" destId="{5AE74728-F236-4111-A0FC-EA35D353AE79}" srcOrd="0" destOrd="0" presId="urn:microsoft.com/office/officeart/2005/8/layout/orgChart1"/>
+    <dgm:cxn modelId="{B0841CD9-DD7A-46BB-9677-182759C1B71C}" type="presParOf" srcId="{4783371F-F4E5-4568-89FB-D440872CA735}" destId="{5B0CC356-E9C9-4274-891F-64239AB43165}" srcOrd="1" destOrd="0" presId="urn:microsoft.com/office/officeart/2005/8/layout/orgChart1"/>
+    <dgm:cxn modelId="{D73C59FB-78C3-4D62-B6A9-97D07F4DE1C0}" type="presParOf" srcId="{5B0CC356-E9C9-4274-891F-64239AB43165}" destId="{BBDCBBA4-EC8A-479F-A830-11A7A42E2EBD}" srcOrd="0" destOrd="0" presId="urn:microsoft.com/office/officeart/2005/8/layout/orgChart1"/>
+    <dgm:cxn modelId="{34E32A2A-08E5-43CC-AAF4-F77A7BE7D3F4}" type="presParOf" srcId="{BBDCBBA4-EC8A-479F-A830-11A7A42E2EBD}" destId="{F49895D7-B24F-41D7-BBF2-42967AEC50E7}" srcOrd="0" destOrd="0" presId="urn:microsoft.com/office/officeart/2005/8/layout/orgChart1"/>
+    <dgm:cxn modelId="{255BEEED-D3D7-437B-8662-C099C5A90D9E}" type="presParOf" srcId="{BBDCBBA4-EC8A-479F-A830-11A7A42E2EBD}" destId="{78AF77F5-816C-45C6-AB97-041BE3B9F3D7}" srcOrd="1" destOrd="0" presId="urn:microsoft.com/office/officeart/2005/8/layout/orgChart1"/>
+    <dgm:cxn modelId="{95F1271A-0FA1-45D5-9348-7C1CC23E294F}" type="presParOf" srcId="{5B0CC356-E9C9-4274-891F-64239AB43165}" destId="{EDCAFB87-2CDD-46A6-9A69-4609358DCD1C}" srcOrd="1" destOrd="0" presId="urn:microsoft.com/office/officeart/2005/8/layout/orgChart1"/>
+    <dgm:cxn modelId="{3DEBF0B0-D1A5-423F-BD55-0681641BD224}" type="presParOf" srcId="{5B0CC356-E9C9-4274-891F-64239AB43165}" destId="{8E93F257-4455-4705-8F53-1495CB5AAD92}" srcOrd="2" destOrd="0" presId="urn:microsoft.com/office/officeart/2005/8/layout/orgChart1"/>
+    <dgm:cxn modelId="{3DC8EFF3-697D-4917-A97E-B0E6963DFC61}" type="presParOf" srcId="{4783371F-F4E5-4568-89FB-D440872CA735}" destId="{ECEB23CB-F2E5-466A-99C7-8854D12A23F6}" srcOrd="2" destOrd="0" presId="urn:microsoft.com/office/officeart/2005/8/layout/orgChart1"/>
+    <dgm:cxn modelId="{3F2D6B70-8759-49FF-BA38-0C5EDE43CDF3}" type="presParOf" srcId="{4783371F-F4E5-4568-89FB-D440872CA735}" destId="{4F29E394-C6F5-476D-B9C6-2E2A5928F841}" srcOrd="3" destOrd="0" presId="urn:microsoft.com/office/officeart/2005/8/layout/orgChart1"/>
+    <dgm:cxn modelId="{AB45EF3B-0B00-4F09-904E-C9BCB952A2E6}" type="presParOf" srcId="{4F29E394-C6F5-476D-B9C6-2E2A5928F841}" destId="{FEED4C6C-EB7B-450D-A57C-D9A739825856}" srcOrd="0" destOrd="0" presId="urn:microsoft.com/office/officeart/2005/8/layout/orgChart1"/>
+    <dgm:cxn modelId="{28C8361C-918C-47F8-AADD-0E33F932A4A6}" type="presParOf" srcId="{FEED4C6C-EB7B-450D-A57C-D9A739825856}" destId="{598B4173-D3EF-45D9-942A-B1135348D2CF}" srcOrd="0" destOrd="0" presId="urn:microsoft.com/office/officeart/2005/8/layout/orgChart1"/>
+    <dgm:cxn modelId="{B7705840-5DFD-4259-8D3F-A83793AC68C5}" type="presParOf" srcId="{FEED4C6C-EB7B-450D-A57C-D9A739825856}" destId="{F833648F-FA50-47D7-86B9-F5A148E532AF}" srcOrd="1" destOrd="0" presId="urn:microsoft.com/office/officeart/2005/8/layout/orgChart1"/>
+    <dgm:cxn modelId="{B8DF201B-305B-45BB-A0EE-0069CADC3008}" type="presParOf" srcId="{4F29E394-C6F5-476D-B9C6-2E2A5928F841}" destId="{42626F05-5D2B-4D7B-8526-009AF1C64662}" srcOrd="1" destOrd="0" presId="urn:microsoft.com/office/officeart/2005/8/layout/orgChart1"/>
+    <dgm:cxn modelId="{35E5C830-F965-4280-B261-EFB5791666EB}" type="presParOf" srcId="{4F29E394-C6F5-476D-B9C6-2E2A5928F841}" destId="{1F5CBB32-8C08-480D-937A-CA2D595DB1A2}" srcOrd="2" destOrd="0" presId="urn:microsoft.com/office/officeart/2005/8/layout/orgChart1"/>
+    <dgm:cxn modelId="{B5620920-D958-447E-A2BD-6B70060A3E53}" type="presParOf" srcId="{3035F842-551C-4A98-9AF6-66F4D027DBCC}" destId="{E5E9523B-4947-419B-A092-E84EC2E72B06}" srcOrd="2" destOrd="0" presId="urn:microsoft.com/office/officeart/2005/8/layout/orgChart1"/>
+    <dgm:cxn modelId="{35FB756B-38BD-4F14-9900-F903AF72AFDF}" type="presParOf" srcId="{F1E6EC3A-B378-43F7-86E7-9EFC23A8EC89}" destId="{5AD17794-CF36-4307-B2F5-6EE7F0724F31}" srcOrd="2" destOrd="0" presId="urn:microsoft.com/office/officeart/2005/8/layout/orgChart1"/>
+    <dgm:cxn modelId="{5499E63B-C763-46CB-9606-5A52D4D1F8D3}" type="presParOf" srcId="{F1E6EC3A-B378-43F7-86E7-9EFC23A8EC89}" destId="{1A1D940C-6207-44EF-9875-E649D7893297}" srcOrd="3" destOrd="0" presId="urn:microsoft.com/office/officeart/2005/8/layout/orgChart1"/>
+    <dgm:cxn modelId="{350FBD06-3893-407C-A123-4949286CA68B}" type="presParOf" srcId="{1A1D940C-6207-44EF-9875-E649D7893297}" destId="{B6ED1983-D09A-46C4-8861-41F8562DD9FF}" srcOrd="0" destOrd="0" presId="urn:microsoft.com/office/officeart/2005/8/layout/orgChart1"/>
+    <dgm:cxn modelId="{0BEF31CE-0E24-46CE-9ACB-B4EB9F9AE4D7}" type="presParOf" srcId="{B6ED1983-D09A-46C4-8861-41F8562DD9FF}" destId="{AB92E32C-B437-4F31-B351-74667AEBFFD4}" srcOrd="0" destOrd="0" presId="urn:microsoft.com/office/officeart/2005/8/layout/orgChart1"/>
+    <dgm:cxn modelId="{63354096-5E64-40C9-9C05-B4FB4E58054A}" type="presParOf" srcId="{B6ED1983-D09A-46C4-8861-41F8562DD9FF}" destId="{226BEE7D-AF31-46E8-BC31-C4779C36D016}" srcOrd="1" destOrd="0" presId="urn:microsoft.com/office/officeart/2005/8/layout/orgChart1"/>
+    <dgm:cxn modelId="{677066A1-7051-4C5E-A109-2D33288D03DB}" type="presParOf" srcId="{1A1D940C-6207-44EF-9875-E649D7893297}" destId="{B503C46D-984F-4D12-A0D9-04EBF4118474}" srcOrd="1" destOrd="0" presId="urn:microsoft.com/office/officeart/2005/8/layout/orgChart1"/>
+    <dgm:cxn modelId="{C61E551E-0924-4FC4-B572-B7EF9A1C0194}" type="presParOf" srcId="{1A1D940C-6207-44EF-9875-E649D7893297}" destId="{6B767D3B-CD64-4993-8658-8F102BA0B5F4}" srcOrd="2" destOrd="0" presId="urn:microsoft.com/office/officeart/2005/8/layout/orgChart1"/>
     <dgm:cxn modelId="{5ECEA9ED-84B8-49C0-A85C-3755C5292EC2}" type="presParOf" srcId="{A474CD6E-AF88-4EC8-8833-6ABEBF2C9166}" destId="{2E532474-926B-433D-8AFB-E28FB2DE060C}" srcOrd="2" destOrd="0" presId="urn:microsoft.com/office/officeart/2005/8/layout/orgChart1"/>
-    <dgm:cxn modelId="{4D4D4659-D1DD-440F-BF4D-1EA31F783584}" type="presParOf" srcId="{6AB51269-15CB-420E-9770-183F78D370CC}" destId="{D9DF9432-E556-48DD-9D70-A33037974F4C}" srcOrd="2" destOrd="0" presId="urn:microsoft.com/office/officeart/2005/8/layout/orgChart1"/>
-    <dgm:cxn modelId="{F5E73EEF-3407-4F14-A8C8-67325C3AFBD8}" type="presParOf" srcId="{6AB51269-15CB-420E-9770-183F78D370CC}" destId="{3035F842-551C-4A98-9AF6-66F4D027DBCC}" srcOrd="3" destOrd="0" presId="urn:microsoft.com/office/officeart/2005/8/layout/orgChart1"/>
-    <dgm:cxn modelId="{2C51C62F-2E11-4B20-8658-57BEAD6BF48B}" type="presParOf" srcId="{3035F842-551C-4A98-9AF6-66F4D027DBCC}" destId="{BD502310-619C-4B85-B035-282EE37B1A32}" srcOrd="0" destOrd="0" presId="urn:microsoft.com/office/officeart/2005/8/layout/orgChart1"/>
-    <dgm:cxn modelId="{99459DF1-1C6C-410A-8610-48A9A9621969}" type="presParOf" srcId="{BD502310-619C-4B85-B035-282EE37B1A32}" destId="{3BFC4D69-F7D9-410A-9292-0F4AF5D82DB9}" srcOrd="0" destOrd="0" presId="urn:microsoft.com/office/officeart/2005/8/layout/orgChart1"/>
-    <dgm:cxn modelId="{9FBBA073-CF80-47DB-B9F7-138539D300B5}" type="presParOf" srcId="{BD502310-619C-4B85-B035-282EE37B1A32}" destId="{EA440890-0E78-4A75-BA66-A61299C86410}" srcOrd="1" destOrd="0" presId="urn:microsoft.com/office/officeart/2005/8/layout/orgChart1"/>
-    <dgm:cxn modelId="{F5A7B58C-109E-4847-90BF-1DDC0EFB3F8A}" type="presParOf" srcId="{3035F842-551C-4A98-9AF6-66F4D027DBCC}" destId="{4783371F-F4E5-4568-89FB-D440872CA735}" srcOrd="1" destOrd="0" presId="urn:microsoft.com/office/officeart/2005/8/layout/orgChart1"/>
-    <dgm:cxn modelId="{5C9DE145-FF48-4C3D-94C6-17828ACCAE4D}" type="presParOf" srcId="{3035F842-551C-4A98-9AF6-66F4D027DBCC}" destId="{E5E9523B-4947-419B-A092-E84EC2E72B06}" srcOrd="2" destOrd="0" presId="urn:microsoft.com/office/officeart/2005/8/layout/orgChart1"/>
-    <dgm:cxn modelId="{DD72B714-AA7B-434F-BC13-C4552FD3CBF3}" type="presParOf" srcId="{6AB51269-15CB-420E-9770-183F78D370CC}" destId="{A3CA0388-87D4-4BF3-9690-0BF78D92A091}" srcOrd="4" destOrd="0" presId="urn:microsoft.com/office/officeart/2005/8/layout/orgChart1"/>
-    <dgm:cxn modelId="{2D4ACD4B-B5AE-4F99-86EE-6007F561EC64}" type="presParOf" srcId="{6AB51269-15CB-420E-9770-183F78D370CC}" destId="{CC93C74A-8882-4710-856F-92ECE803A9D0}" srcOrd="5" destOrd="0" presId="urn:microsoft.com/office/officeart/2005/8/layout/orgChart1"/>
+    <dgm:cxn modelId="{EB48BEE9-7733-48CD-B6AA-22249D6EB835}" type="presParOf" srcId="{6AB51269-15CB-420E-9770-183F78D370CC}" destId="{199EC390-B0CD-4167-9846-6FD7066A67D0}" srcOrd="2" destOrd="0" presId="urn:microsoft.com/office/officeart/2005/8/layout/orgChart1"/>
+    <dgm:cxn modelId="{2D4ACD4B-B5AE-4F99-86EE-6007F561EC64}" type="presParOf" srcId="{6AB51269-15CB-420E-9770-183F78D370CC}" destId="{CC93C74A-8882-4710-856F-92ECE803A9D0}" srcOrd="3" destOrd="0" presId="urn:microsoft.com/office/officeart/2005/8/layout/orgChart1"/>
     <dgm:cxn modelId="{FD223503-E063-43BE-BE51-EF6895E845DD}" type="presParOf" srcId="{CC93C74A-8882-4710-856F-92ECE803A9D0}" destId="{663323E7-EDFF-4F4E-8355-3FB7AA399B55}" srcOrd="0" destOrd="0" presId="urn:microsoft.com/office/officeart/2005/8/layout/orgChart1"/>
     <dgm:cxn modelId="{D69C26BD-59C3-43F4-99BB-7A0E2EAD0BAE}" type="presParOf" srcId="{663323E7-EDFF-4F4E-8355-3FB7AA399B55}" destId="{73D7F4D0-6F95-467A-9021-698C63D66C37}" srcOrd="0" destOrd="0" presId="urn:microsoft.com/office/officeart/2005/8/layout/orgChart1"/>
     <dgm:cxn modelId="{A520D70C-D406-4FE4-9B2A-4B4C494BC701}" type="presParOf" srcId="{663323E7-EDFF-4F4E-8355-3FB7AA399B55}" destId="{D597909A-9611-47A9-83A3-3468983AEBD7}" srcOrd="1" destOrd="0" presId="urn:microsoft.com/office/officeart/2005/8/layout/orgChart1"/>
     <dgm:cxn modelId="{96D966FF-A29A-4453-B2EC-939123263D90}" type="presParOf" srcId="{CC93C74A-8882-4710-856F-92ECE803A9D0}" destId="{34A867BE-BDCD-448E-8DC0-9F90921CC52F}" srcOrd="1" destOrd="0" presId="urn:microsoft.com/office/officeart/2005/8/layout/orgChart1"/>
+    <dgm:cxn modelId="{6918901D-8006-49C8-AE32-7216236FFF03}" type="presParOf" srcId="{34A867BE-BDCD-448E-8DC0-9F90921CC52F}" destId="{BB477CE8-EE9C-4531-8791-F3F451EF4FB6}" srcOrd="0" destOrd="0" presId="urn:microsoft.com/office/officeart/2005/8/layout/orgChart1"/>
+    <dgm:cxn modelId="{C4158839-9FAA-4B6C-8F1F-67BB542D8F90}" type="presParOf" srcId="{34A867BE-BDCD-448E-8DC0-9F90921CC52F}" destId="{FF3B27F2-B311-4FF3-89B7-4C7CF8701210}" srcOrd="1" destOrd="0" presId="urn:microsoft.com/office/officeart/2005/8/layout/orgChart1"/>
+    <dgm:cxn modelId="{72A61911-4939-41CD-90A1-6355AE7ABCDA}" type="presParOf" srcId="{FF3B27F2-B311-4FF3-89B7-4C7CF8701210}" destId="{D9DF2AF3-707C-424F-9A23-B69C7D1CF659}" srcOrd="0" destOrd="0" presId="urn:microsoft.com/office/officeart/2005/8/layout/orgChart1"/>
+    <dgm:cxn modelId="{4DC688D0-68C8-4D99-B3C6-E66C717870DE}" type="presParOf" srcId="{D9DF2AF3-707C-424F-9A23-B69C7D1CF659}" destId="{37557D71-FFA3-485D-94F8-08CDB9DD3DA6}" srcOrd="0" destOrd="0" presId="urn:microsoft.com/office/officeart/2005/8/layout/orgChart1"/>
+    <dgm:cxn modelId="{4A5E04A2-BC28-4D05-932E-BA75AB583D09}" type="presParOf" srcId="{D9DF2AF3-707C-424F-9A23-B69C7D1CF659}" destId="{5AC6752B-B276-44DC-8E52-55D48472FB1F}" srcOrd="1" destOrd="0" presId="urn:microsoft.com/office/officeart/2005/8/layout/orgChart1"/>
+    <dgm:cxn modelId="{973C11F5-BE05-4E32-9003-E96C10878A4E}" type="presParOf" srcId="{FF3B27F2-B311-4FF3-89B7-4C7CF8701210}" destId="{3029EDDD-E5EA-4FC4-AABB-4A46AEEFB31A}" srcOrd="1" destOrd="0" presId="urn:microsoft.com/office/officeart/2005/8/layout/orgChart1"/>
+    <dgm:cxn modelId="{50ABE363-E4B7-4C3E-A10B-8CFECD2695F9}" type="presParOf" srcId="{FF3B27F2-B311-4FF3-89B7-4C7CF8701210}" destId="{F328AEB3-EF9B-480A-AA25-D05324BD86D8}" srcOrd="2" destOrd="0" presId="urn:microsoft.com/office/officeart/2005/8/layout/orgChart1"/>
     <dgm:cxn modelId="{531398D5-7171-4400-89FF-72972B7B134D}" type="presParOf" srcId="{CC93C74A-8882-4710-856F-92ECE803A9D0}" destId="{A2CE51D3-319F-42C6-9557-96F4CBD828CF}" srcOrd="2" destOrd="0" presId="urn:microsoft.com/office/officeart/2005/8/layout/orgChart1"/>
-    <dgm:cxn modelId="{8C073BC7-1114-41E9-9C09-9A02B115954B}" type="presParOf" srcId="{6AB51269-15CB-420E-9770-183F78D370CC}" destId="{1E298CD2-0E8D-41C9-9C61-2AF3E247F189}" srcOrd="6" destOrd="0" presId="urn:microsoft.com/office/officeart/2005/8/layout/orgChart1"/>
-    <dgm:cxn modelId="{A58AAB06-882E-48A9-8191-87BC670F4025}" type="presParOf" srcId="{6AB51269-15CB-420E-9770-183F78D370CC}" destId="{8A3DFB0D-358D-4624-A5F3-2885C899C91E}" srcOrd="7" destOrd="0" presId="urn:microsoft.com/office/officeart/2005/8/layout/orgChart1"/>
+    <dgm:cxn modelId="{5D2A5321-395B-4D5E-ABF6-41BF1C8FEE0A}" type="presParOf" srcId="{6AB51269-15CB-420E-9770-183F78D370CC}" destId="{126975FA-B586-4865-9B0F-892175514C9E}" srcOrd="4" destOrd="0" presId="urn:microsoft.com/office/officeart/2005/8/layout/orgChart1"/>
+    <dgm:cxn modelId="{A58AAB06-882E-48A9-8191-87BC670F4025}" type="presParOf" srcId="{6AB51269-15CB-420E-9770-183F78D370CC}" destId="{8A3DFB0D-358D-4624-A5F3-2885C899C91E}" srcOrd="5" destOrd="0" presId="urn:microsoft.com/office/officeart/2005/8/layout/orgChart1"/>
     <dgm:cxn modelId="{32C7525A-29FB-4BC3-B429-37E431B62228}" type="presParOf" srcId="{8A3DFB0D-358D-4624-A5F3-2885C899C91E}" destId="{1BDD3A64-8AE4-4FE2-BCA2-2532F55D96C6}" srcOrd="0" destOrd="0" presId="urn:microsoft.com/office/officeart/2005/8/layout/orgChart1"/>
     <dgm:cxn modelId="{03F6B12E-5AEC-47BC-804B-07C9B1D1A3EB}" type="presParOf" srcId="{1BDD3A64-8AE4-4FE2-BCA2-2532F55D96C6}" destId="{4D79EC49-F480-49D6-B693-46EE305645E5}" srcOrd="0" destOrd="0" presId="urn:microsoft.com/office/officeart/2005/8/layout/orgChart1"/>
     <dgm:cxn modelId="{B2D8956C-E550-4441-A017-0F81B86836AA}" type="presParOf" srcId="{1BDD3A64-8AE4-4FE2-BCA2-2532F55D96C6}" destId="{E81AD88E-02FD-49FD-B0F4-1075A5710422}" srcOrd="1" destOrd="0" presId="urn:microsoft.com/office/officeart/2005/8/layout/orgChart1"/>
     <dgm:cxn modelId="{BE36F4EA-1740-4311-9202-CB5A05BC5CF8}" type="presParOf" srcId="{8A3DFB0D-358D-4624-A5F3-2885C899C91E}" destId="{C573C869-ADAA-46B4-841D-4C332DE4C721}" srcOrd="1" destOrd="0" presId="urn:microsoft.com/office/officeart/2005/8/layout/orgChart1"/>
-    <dgm:cxn modelId="{340B311F-E24C-4161-A206-1A1C743DEF3D}" type="presParOf" srcId="{C573C869-ADAA-46B4-841D-4C332DE4C721}" destId="{B542F1CB-ED74-4321-84B5-51E3EC00E830}" srcOrd="0" destOrd="0" presId="urn:microsoft.com/office/officeart/2005/8/layout/orgChart1"/>
+    <dgm:cxn modelId="{9FBCB1D0-6928-489E-8797-7A01221D1B7D}" type="presParOf" srcId="{C573C869-ADAA-46B4-841D-4C332DE4C721}" destId="{2EDE3080-CCAE-40EC-9DCD-0704F45B0326}" srcOrd="0" destOrd="0" presId="urn:microsoft.com/office/officeart/2005/8/layout/orgChart1"/>
     <dgm:cxn modelId="{C09EDA90-114D-4689-B391-E41F9C54356E}" type="presParOf" srcId="{C573C869-ADAA-46B4-841D-4C332DE4C721}" destId="{75CCD69F-26A8-45A8-816A-0E84928FCB6F}" srcOrd="1" destOrd="0" presId="urn:microsoft.com/office/officeart/2005/8/layout/orgChart1"/>
     <dgm:cxn modelId="{068A3EB4-FCD2-4ACC-96DB-DB6E9296A61C}" type="presParOf" srcId="{75CCD69F-26A8-45A8-816A-0E84928FCB6F}" destId="{7685C1AA-E207-40AB-B02B-F7679C300FF6}" srcOrd="0" destOrd="0" presId="urn:microsoft.com/office/officeart/2005/8/layout/orgChart1"/>
     <dgm:cxn modelId="{C23913E1-9E71-4FFF-AB43-86D8D42EA120}" type="presParOf" srcId="{7685C1AA-E207-40AB-B02B-F7679C300FF6}" destId="{F04D42CF-2F1A-4FA0-8DE5-365FFE66E0CA}" srcOrd="0" destOrd="0" presId="urn:microsoft.com/office/officeart/2005/8/layout/orgChart1"/>
     <dgm:cxn modelId="{217402B4-DE22-42D6-8EDD-FAD3DA717FF4}" type="presParOf" srcId="{7685C1AA-E207-40AB-B02B-F7679C300FF6}" destId="{B2AC2D3E-B129-4D65-9B41-CEE4370CF14D}" srcOrd="1" destOrd="0" presId="urn:microsoft.com/office/officeart/2005/8/layout/orgChart1"/>
     <dgm:cxn modelId="{5B181AA9-6BB8-4FD3-9312-00F72E52CF7E}" type="presParOf" srcId="{75CCD69F-26A8-45A8-816A-0E84928FCB6F}" destId="{C0EF8CF5-8DAA-4EB4-939A-6DC5B59B006B}" srcOrd="1" destOrd="0" presId="urn:microsoft.com/office/officeart/2005/8/layout/orgChart1"/>
     <dgm:cxn modelId="{06147378-D75B-4DA1-85C0-5D63D4EA1DA4}" type="presParOf" srcId="{75CCD69F-26A8-45A8-816A-0E84928FCB6F}" destId="{2012C1C1-145A-4534-86AF-C3EEC962FF18}" srcOrd="2" destOrd="0" presId="urn:microsoft.com/office/officeart/2005/8/layout/orgChart1"/>
-    <dgm:cxn modelId="{E7AC96EC-18CA-4214-8D10-62451B9E5140}" type="presParOf" srcId="{C573C869-ADAA-46B4-841D-4C332DE4C721}" destId="{86389C67-E9D5-43BD-976E-67898FF39CF8}" srcOrd="2" destOrd="0" presId="urn:microsoft.com/office/officeart/2005/8/layout/orgChart1"/>
+    <dgm:cxn modelId="{8078E285-7906-4416-BCDD-9D5227321286}" type="presParOf" srcId="{C573C869-ADAA-46B4-841D-4C332DE4C721}" destId="{51DFC038-98B8-4E37-A84D-5DFB8F319E80}" srcOrd="2" destOrd="0" presId="urn:microsoft.com/office/officeart/2005/8/layout/orgChart1"/>
     <dgm:cxn modelId="{25CDBFAE-2181-4060-B3A2-A6B08E243076}" type="presParOf" srcId="{C573C869-ADAA-46B4-841D-4C332DE4C721}" destId="{91936569-0850-41B2-8117-AD28C83FEF9C}" srcOrd="3" destOrd="0" presId="urn:microsoft.com/office/officeart/2005/8/layout/orgChart1"/>
     <dgm:cxn modelId="{FA701BAB-6EAB-4668-B323-2B151A5A8228}" type="presParOf" srcId="{91936569-0850-41B2-8117-AD28C83FEF9C}" destId="{B0463F90-F368-4493-AE90-AF1DDE4DB300}" srcOrd="0" destOrd="0" presId="urn:microsoft.com/office/officeart/2005/8/layout/orgChart1"/>
     <dgm:cxn modelId="{66066F32-391E-4A31-AC82-A83D5CF073AD}" type="presParOf" srcId="{B0463F90-F368-4493-AE90-AF1DDE4DB300}" destId="{13E89706-6D22-4BD3-AD1F-1B8C91E6849A}" srcOrd="0" destOrd="0" presId="urn:microsoft.com/office/officeart/2005/8/layout/orgChart1"/>
     <dgm:cxn modelId="{007B8E68-8AA0-4E58-8140-F93F06DF9EE0}" type="presParOf" srcId="{B0463F90-F368-4493-AE90-AF1DDE4DB300}" destId="{9B709F09-718B-456D-972E-2220C10A21F5}" srcOrd="1" destOrd="0" presId="urn:microsoft.com/office/officeart/2005/8/layout/orgChart1"/>
     <dgm:cxn modelId="{4E855585-51D5-40C3-B623-C6A33BAE5C83}" type="presParOf" srcId="{91936569-0850-41B2-8117-AD28C83FEF9C}" destId="{260FFABB-4CED-47CB-9CC8-D00477242406}" srcOrd="1" destOrd="0" presId="urn:microsoft.com/office/officeart/2005/8/layout/orgChart1"/>
     <dgm:cxn modelId="{0D575E2B-68D4-4985-AEC0-94C4FED96CC3}" type="presParOf" srcId="{91936569-0850-41B2-8117-AD28C83FEF9C}" destId="{9FE1C5C0-0A05-4558-9BAE-38E9F308BC75}" srcOrd="2" destOrd="0" presId="urn:microsoft.com/office/officeart/2005/8/layout/orgChart1"/>
-    <dgm:cxn modelId="{9BE5C78C-D2CC-40E4-B1F5-DB96BA1C39CE}" type="presParOf" srcId="{C573C869-ADAA-46B4-841D-4C332DE4C721}" destId="{DF73881F-2028-4306-BFC0-A22B7F515D52}" srcOrd="4" destOrd="0" presId="urn:microsoft.com/office/officeart/2005/8/layout/orgChart1"/>
-    <dgm:cxn modelId="{FD37334E-1057-4907-A42F-A49A6F67717C}" type="presParOf" srcId="{C573C869-ADAA-46B4-841D-4C332DE4C721}" destId="{8983FFF8-1645-433A-B896-A486CCF25D48}" srcOrd="5" destOrd="0" presId="urn:microsoft.com/office/officeart/2005/8/layout/orgChart1"/>
-    <dgm:cxn modelId="{9489CF78-6896-4959-B738-CDFEDE9782C6}" type="presParOf" srcId="{8983FFF8-1645-433A-B896-A486CCF25D48}" destId="{4A45D019-F5F9-4BFA-8BC8-FC000D045105}" srcOrd="0" destOrd="0" presId="urn:microsoft.com/office/officeart/2005/8/layout/orgChart1"/>
-    <dgm:cxn modelId="{18DDBEB3-2144-4A71-A304-A6AFB1BE0E10}" type="presParOf" srcId="{4A45D019-F5F9-4BFA-8BC8-FC000D045105}" destId="{015209CF-02A8-40B2-A862-FFF789D7FDF9}" srcOrd="0" destOrd="0" presId="urn:microsoft.com/office/officeart/2005/8/layout/orgChart1"/>
-    <dgm:cxn modelId="{1095775A-B03F-4777-ACE5-DF718D8E9675}" type="presParOf" srcId="{4A45D019-F5F9-4BFA-8BC8-FC000D045105}" destId="{FD4BFCCC-2998-4930-884E-C7F6282CB671}" srcOrd="1" destOrd="0" presId="urn:microsoft.com/office/officeart/2005/8/layout/orgChart1"/>
-    <dgm:cxn modelId="{CF337871-D002-416D-A745-A10138680B21}" type="presParOf" srcId="{8983FFF8-1645-433A-B896-A486CCF25D48}" destId="{CCFA3706-1394-458B-AE29-E19FBB88A414}" srcOrd="1" destOrd="0" presId="urn:microsoft.com/office/officeart/2005/8/layout/orgChart1"/>
-    <dgm:cxn modelId="{889E67A1-9E30-4449-964B-4FCF6891BD0D}" type="presParOf" srcId="{8983FFF8-1645-433A-B896-A486CCF25D48}" destId="{39DBCF05-15F7-4497-A6F3-F738BA9D1E37}" srcOrd="2" destOrd="0" presId="urn:microsoft.com/office/officeart/2005/8/layout/orgChart1"/>
     <dgm:cxn modelId="{F1E7973B-68D4-4F68-B7CF-41B26CB981CD}" type="presParOf" srcId="{8A3DFB0D-358D-4624-A5F3-2885C899C91E}" destId="{ACFF7A03-453E-43A7-82D3-FEB47DFDF814}" srcOrd="2" destOrd="0" presId="urn:microsoft.com/office/officeart/2005/8/layout/orgChart1"/>
     <dgm:cxn modelId="{B7E349C1-8958-4CF0-A0EF-C8F95D532667}" type="presParOf" srcId="{D1C4FC27-B741-473A-8036-EB09AF68F14B}" destId="{EE46C805-691F-4217-AB0A-14BAB033410C}" srcOrd="2" destOrd="0" presId="urn:microsoft.com/office/officeart/2005/8/layout/orgChart1"/>
     <dgm:cxn modelId="{EDE1A4CE-6503-4A51-A2CE-815F7490C3F4}" type="presParOf" srcId="{3025346D-9964-4670-B035-3AE174DBFBFB}" destId="{68D7FC22-95F6-4FA0-8A31-3213CB1FEFF6}" srcOrd="1" destOrd="0" presId="urn:microsoft.com/office/officeart/2005/8/layout/orgChart1"/>
@@ -9924,15 +10176,15 @@
         <a:fontRef idx="minor"/>
       </dsp:style>
     </dsp:sp>
-    <dsp:sp modelId="{DF73881F-2028-4306-BFC0-A22B7F515D52}">
+    <dsp:sp modelId="{51DFC038-98B8-4E37-A84D-5DFB8F319E80}">
       <dsp:nvSpPr>
         <dsp:cNvPr id="0" name=""/>
         <dsp:cNvSpPr/>
       </dsp:nvSpPr>
       <dsp:spPr>
         <a:xfrm>
-          <a:off x="1980434" y="3502331"/>
-          <a:ext cx="1220731" cy="211862"/>
+          <a:off x="2545400" y="1353441"/>
+          <a:ext cx="151330" cy="1180376"/>
         </a:xfrm>
         <a:custGeom>
           <a:avLst/>
@@ -9946,13 +10198,10 @@
                 <a:pt x="0" y="0"/>
               </a:moveTo>
               <a:lnTo>
-                <a:pt x="0" y="105931"/>
+                <a:pt x="0" y="1180376"/>
               </a:lnTo>
               <a:lnTo>
-                <a:pt x="1220731" y="105931"/>
-              </a:lnTo>
-              <a:lnTo>
-                <a:pt x="1220731" y="211862"/>
+                <a:pt x="151330" y="1180376"/>
               </a:lnTo>
             </a:path>
           </a:pathLst>
@@ -9985,15 +10234,15 @@
         <a:fontRef idx="minor"/>
       </dsp:style>
     </dsp:sp>
-    <dsp:sp modelId="{86389C67-E9D5-43BD-976E-67898FF39CF8}">
+    <dsp:sp modelId="{2EDE3080-CCAE-40EC-9DCD-0704F45B0326}">
       <dsp:nvSpPr>
         <dsp:cNvPr id="0" name=""/>
         <dsp:cNvSpPr/>
       </dsp:nvSpPr>
       <dsp:spPr>
         <a:xfrm>
-          <a:off x="1934714" y="3502331"/>
-          <a:ext cx="91440" cy="211862"/>
+          <a:off x="2545400" y="1353441"/>
+          <a:ext cx="151330" cy="464079"/>
         </a:xfrm>
         <a:custGeom>
           <a:avLst/>
@@ -10004,10 +10253,13 @@
           <a:pathLst>
             <a:path>
               <a:moveTo>
-                <a:pt x="45720" y="0"/>
+                <a:pt x="0" y="0"/>
               </a:moveTo>
               <a:lnTo>
-                <a:pt x="45720" y="211862"/>
+                <a:pt x="0" y="464079"/>
+              </a:lnTo>
+              <a:lnTo>
+                <a:pt x="151330" y="464079"/>
               </a:lnTo>
             </a:path>
           </a:pathLst>
@@ -10040,14 +10292,14 @@
         <a:fontRef idx="minor"/>
       </dsp:style>
     </dsp:sp>
-    <dsp:sp modelId="{B542F1CB-ED74-4321-84B5-51E3EC00E830}">
+    <dsp:sp modelId="{126975FA-B586-4865-9B0F-892175514C9E}">
       <dsp:nvSpPr>
         <dsp:cNvPr id="0" name=""/>
         <dsp:cNvSpPr/>
       </dsp:nvSpPr>
       <dsp:spPr>
         <a:xfrm>
-          <a:off x="759703" y="3502331"/>
+          <a:off x="1728217" y="637144"/>
           <a:ext cx="1220731" cy="211862"/>
         </a:xfrm>
         <a:custGeom>
@@ -10059,16 +10311,74 @@
           <a:pathLst>
             <a:path>
               <a:moveTo>
-                <a:pt x="1220731" y="0"/>
+                <a:pt x="0" y="0"/>
               </a:moveTo>
+              <a:lnTo>
+                <a:pt x="0" y="105931"/>
+              </a:lnTo>
               <a:lnTo>
                 <a:pt x="1220731" y="105931"/>
               </a:lnTo>
               <a:lnTo>
-                <a:pt x="0" y="105931"/>
+                <a:pt x="1220731" y="211862"/>
+              </a:lnTo>
+            </a:path>
+          </a:pathLst>
+        </a:custGeom>
+        <a:noFill/>
+        <a:ln w="12700" cap="flat" cmpd="sng" algn="ctr">
+          <a:solidFill>
+            <a:schemeClr val="accent2">
+              <a:hueOff val="0"/>
+              <a:satOff val="0"/>
+              <a:lumOff val="0"/>
+              <a:alphaOff val="0"/>
+            </a:schemeClr>
+          </a:solidFill>
+          <a:prstDash val="solid"/>
+          <a:miter lim="800000"/>
+        </a:ln>
+        <a:effectLst/>
+      </dsp:spPr>
+      <dsp:style>
+        <a:lnRef idx="2">
+          <a:scrgbClr r="0" g="0" b="0"/>
+        </a:lnRef>
+        <a:fillRef idx="0">
+          <a:scrgbClr r="0" g="0" b="0"/>
+        </a:fillRef>
+        <a:effectRef idx="0">
+          <a:scrgbClr r="0" g="0" b="0"/>
+        </a:effectRef>
+        <a:fontRef idx="minor"/>
+      </dsp:style>
+    </dsp:sp>
+    <dsp:sp modelId="{BB477CE8-EE9C-4531-8791-F3F451EF4FB6}">
+      <dsp:nvSpPr>
+        <dsp:cNvPr id="0" name=""/>
+        <dsp:cNvSpPr/>
+      </dsp:nvSpPr>
+      <dsp:spPr>
+        <a:xfrm>
+          <a:off x="1324669" y="1353441"/>
+          <a:ext cx="151330" cy="464079"/>
+        </a:xfrm>
+        <a:custGeom>
+          <a:avLst/>
+          <a:gdLst/>
+          <a:ahLst/>
+          <a:cxnLst/>
+          <a:rect l="0" t="0" r="0" b="0"/>
+          <a:pathLst>
+            <a:path>
+              <a:moveTo>
+                <a:pt x="0" y="0"/>
+              </a:moveTo>
+              <a:lnTo>
+                <a:pt x="0" y="464079"/>
               </a:lnTo>
               <a:lnTo>
-                <a:pt x="0" y="211862"/>
+                <a:pt x="151330" y="464079"/>
               </a:lnTo>
             </a:path>
           </a:pathLst>
@@ -10101,15 +10411,15 @@
         <a:fontRef idx="minor"/>
       </dsp:style>
     </dsp:sp>
-    <dsp:sp modelId="{1E298CD2-0E8D-41C9-9C61-2AF3E247F189}">
+    <dsp:sp modelId="{199EC390-B0CD-4167-9846-6FD7066A67D0}">
       <dsp:nvSpPr>
         <dsp:cNvPr id="0" name=""/>
         <dsp:cNvSpPr/>
       </dsp:nvSpPr>
       <dsp:spPr>
         <a:xfrm>
-          <a:off x="103938" y="637144"/>
-          <a:ext cx="1372061" cy="2612969"/>
+          <a:off x="1682497" y="637144"/>
+          <a:ext cx="91440" cy="211862"/>
         </a:xfrm>
         <a:custGeom>
           <a:avLst/>
@@ -10120,13 +10430,10 @@
           <a:pathLst>
             <a:path>
               <a:moveTo>
-                <a:pt x="0" y="0"/>
+                <a:pt x="45720" y="0"/>
               </a:moveTo>
               <a:lnTo>
-                <a:pt x="0" y="2612969"/>
-              </a:lnTo>
-              <a:lnTo>
-                <a:pt x="1372061" y="2612969"/>
+                <a:pt x="45720" y="211862"/>
               </a:lnTo>
             </a:path>
           </a:pathLst>
@@ -10159,15 +10466,15 @@
         <a:fontRef idx="minor"/>
       </dsp:style>
     </dsp:sp>
-    <dsp:sp modelId="{A3CA0388-87D4-4BF3-9690-0BF78D92A091}">
+    <dsp:sp modelId="{5AD17794-CF36-4307-B2F5-6EE7F0724F31}">
       <dsp:nvSpPr>
         <dsp:cNvPr id="0" name=""/>
         <dsp:cNvSpPr/>
       </dsp:nvSpPr>
       <dsp:spPr>
         <a:xfrm>
-          <a:off x="103938" y="637144"/>
-          <a:ext cx="151330" cy="1896673"/>
+          <a:off x="103938" y="1353441"/>
+          <a:ext cx="151330" cy="2612969"/>
         </a:xfrm>
         <a:custGeom>
           <a:avLst/>
@@ -10181,10 +10488,10 @@
                 <a:pt x="0" y="0"/>
               </a:moveTo>
               <a:lnTo>
-                <a:pt x="0" y="1896673"/>
+                <a:pt x="0" y="2612969"/>
               </a:lnTo>
               <a:lnTo>
-                <a:pt x="151330" y="1896673"/>
+                <a:pt x="151330" y="2612969"/>
               </a:lnTo>
             </a:path>
           </a:pathLst>
@@ -10192,7 +10499,7 @@
         <a:noFill/>
         <a:ln w="12700" cap="flat" cmpd="sng" algn="ctr">
           <a:solidFill>
-            <a:schemeClr val="accent2">
+            <a:schemeClr val="accent3">
               <a:hueOff val="0"/>
               <a:satOff val="0"/>
               <a:lumOff val="0"/>
@@ -10217,14 +10524,14 @@
         <a:fontRef idx="minor"/>
       </dsp:style>
     </dsp:sp>
-    <dsp:sp modelId="{D9DF9432-E556-48DD-9D70-A33037974F4C}">
+    <dsp:sp modelId="{ECEB23CB-F2E5-466A-99C7-8854D12A23F6}">
       <dsp:nvSpPr>
         <dsp:cNvPr id="0" name=""/>
         <dsp:cNvSpPr/>
       </dsp:nvSpPr>
       <dsp:spPr>
         <a:xfrm>
-          <a:off x="103938" y="637144"/>
+          <a:off x="356155" y="2069737"/>
           <a:ext cx="151330" cy="1180376"/>
         </a:xfrm>
         <a:custGeom>
@@ -10250,7 +10557,7 @@
         <a:noFill/>
         <a:ln w="12700" cap="flat" cmpd="sng" algn="ctr">
           <a:solidFill>
-            <a:schemeClr val="accent2">
+            <a:schemeClr val="accent4">
               <a:hueOff val="0"/>
               <a:satOff val="0"/>
               <a:lumOff val="0"/>
@@ -10275,14 +10582,14 @@
         <a:fontRef idx="minor"/>
       </dsp:style>
     </dsp:sp>
-    <dsp:sp modelId="{6782154B-719D-4D47-BA7E-81C5C7E3D869}">
+    <dsp:sp modelId="{5AE74728-F236-4111-A0FC-EA35D353AE79}">
       <dsp:nvSpPr>
         <dsp:cNvPr id="0" name=""/>
         <dsp:cNvSpPr/>
       </dsp:nvSpPr>
       <dsp:spPr>
         <a:xfrm>
-          <a:off x="103938" y="637144"/>
+          <a:off x="356155" y="2069737"/>
           <a:ext cx="151330" cy="464079"/>
         </a:xfrm>
         <a:custGeom>
@@ -10301,6 +10608,125 @@
               </a:lnTo>
               <a:lnTo>
                 <a:pt x="151330" y="464079"/>
+              </a:lnTo>
+            </a:path>
+          </a:pathLst>
+        </a:custGeom>
+        <a:noFill/>
+        <a:ln w="12700" cap="flat" cmpd="sng" algn="ctr">
+          <a:solidFill>
+            <a:schemeClr val="accent4">
+              <a:hueOff val="0"/>
+              <a:satOff val="0"/>
+              <a:lumOff val="0"/>
+              <a:alphaOff val="0"/>
+            </a:schemeClr>
+          </a:solidFill>
+          <a:prstDash val="solid"/>
+          <a:miter lim="800000"/>
+        </a:ln>
+        <a:effectLst/>
+      </dsp:spPr>
+      <dsp:style>
+        <a:lnRef idx="2">
+          <a:scrgbClr r="0" g="0" b="0"/>
+        </a:lnRef>
+        <a:fillRef idx="0">
+          <a:scrgbClr r="0" g="0" b="0"/>
+        </a:fillRef>
+        <a:effectRef idx="0">
+          <a:scrgbClr r="0" g="0" b="0"/>
+        </a:effectRef>
+        <a:fontRef idx="minor"/>
+      </dsp:style>
+    </dsp:sp>
+    <dsp:sp modelId="{80CD6AC6-AF55-43D5-8135-08B22832FDB2}">
+      <dsp:nvSpPr>
+        <dsp:cNvPr id="0" name=""/>
+        <dsp:cNvSpPr/>
+      </dsp:nvSpPr>
+      <dsp:spPr>
+        <a:xfrm>
+          <a:off x="103938" y="1353441"/>
+          <a:ext cx="151330" cy="464079"/>
+        </a:xfrm>
+        <a:custGeom>
+          <a:avLst/>
+          <a:gdLst/>
+          <a:ahLst/>
+          <a:cxnLst/>
+          <a:rect l="0" t="0" r="0" b="0"/>
+          <a:pathLst>
+            <a:path>
+              <a:moveTo>
+                <a:pt x="0" y="0"/>
+              </a:moveTo>
+              <a:lnTo>
+                <a:pt x="0" y="464079"/>
+              </a:lnTo>
+              <a:lnTo>
+                <a:pt x="151330" y="464079"/>
+              </a:lnTo>
+            </a:path>
+          </a:pathLst>
+        </a:custGeom>
+        <a:noFill/>
+        <a:ln w="12700" cap="flat" cmpd="sng" algn="ctr">
+          <a:solidFill>
+            <a:schemeClr val="accent3">
+              <a:hueOff val="0"/>
+              <a:satOff val="0"/>
+              <a:lumOff val="0"/>
+              <a:alphaOff val="0"/>
+            </a:schemeClr>
+          </a:solidFill>
+          <a:prstDash val="solid"/>
+          <a:miter lim="800000"/>
+        </a:ln>
+        <a:effectLst/>
+      </dsp:spPr>
+      <dsp:style>
+        <a:lnRef idx="2">
+          <a:scrgbClr r="0" g="0" b="0"/>
+        </a:lnRef>
+        <a:fillRef idx="0">
+          <a:scrgbClr r="0" g="0" b="0"/>
+        </a:fillRef>
+        <a:effectRef idx="0">
+          <a:scrgbClr r="0" g="0" b="0"/>
+        </a:effectRef>
+        <a:fontRef idx="minor"/>
+      </dsp:style>
+    </dsp:sp>
+    <dsp:sp modelId="{2E71C4F4-78EF-451C-AD16-2B4D1CEAD292}">
+      <dsp:nvSpPr>
+        <dsp:cNvPr id="0" name=""/>
+        <dsp:cNvSpPr/>
+      </dsp:nvSpPr>
+      <dsp:spPr>
+        <a:xfrm>
+          <a:off x="507486" y="637144"/>
+          <a:ext cx="1220731" cy="211862"/>
+        </a:xfrm>
+        <a:custGeom>
+          <a:avLst/>
+          <a:gdLst/>
+          <a:ahLst/>
+          <a:cxnLst/>
+          <a:rect l="0" t="0" r="0" b="0"/>
+          <a:pathLst>
+            <a:path>
+              <a:moveTo>
+                <a:pt x="1220731" y="0"/>
+              </a:moveTo>
+              <a:lnTo>
+                <a:pt x="1220731" y="105931"/>
+              </a:lnTo>
+              <a:lnTo>
+                <a:pt x="0" y="105931"/>
+              </a:lnTo>
+              <a:lnTo>
+                <a:pt x="0" y="211862"/>
               </a:lnTo>
             </a:path>
           </a:pathLst>
@@ -10340,7 +10766,7 @@
       </dsp:nvSpPr>
       <dsp:spPr>
         <a:xfrm>
-          <a:off x="3051" y="132709"/>
+          <a:off x="1223782" y="132709"/>
           <a:ext cx="1008868" cy="504434"/>
         </a:xfrm>
         <a:prstGeom prst="rect">
@@ -10408,7 +10834,7 @@
         </a:p>
       </dsp:txBody>
       <dsp:txXfrm>
-        <a:off x="3051" y="132709"/>
+        <a:off x="1223782" y="132709"/>
         <a:ext cx="1008868" cy="504434"/>
       </dsp:txXfrm>
     </dsp:sp>
@@ -10419,7 +10845,7 @@
       </dsp:nvSpPr>
       <dsp:spPr>
         <a:xfrm>
-          <a:off x="255269" y="849006"/>
+          <a:off x="3051" y="849006"/>
           <a:ext cx="1008868" cy="504434"/>
         </a:xfrm>
         <a:prstGeom prst="rect">
@@ -10487,7 +10913,7 @@
         </a:p>
       </dsp:txBody>
       <dsp:txXfrm>
-        <a:off x="255269" y="849006"/>
+        <a:off x="3051" y="849006"/>
         <a:ext cx="1008868" cy="504434"/>
       </dsp:txXfrm>
     </dsp:sp>
@@ -10505,7 +10931,7 @@
           <a:avLst/>
         </a:prstGeom>
         <a:solidFill>
-          <a:schemeClr val="accent2">
+          <a:schemeClr val="accent3">
             <a:hueOff val="0"/>
             <a:satOff val="0"/>
             <a:lumOff val="0"/>
@@ -10570,21 +10996,100 @@
         <a:ext cx="1008868" cy="504434"/>
       </dsp:txXfrm>
     </dsp:sp>
-    <dsp:sp modelId="{73D7F4D0-6F95-467A-9021-698C63D66C37}">
+    <dsp:sp modelId="{F49895D7-B24F-41D7-BBF2-42967AEC50E7}">
       <dsp:nvSpPr>
         <dsp:cNvPr id="0" name=""/>
         <dsp:cNvSpPr/>
       </dsp:nvSpPr>
       <dsp:spPr>
         <a:xfrm>
-          <a:off x="255269" y="2281600"/>
+          <a:off x="507486" y="2281600"/>
           <a:ext cx="1008868" cy="504434"/>
         </a:xfrm>
         <a:prstGeom prst="rect">
           <a:avLst/>
         </a:prstGeom>
         <a:solidFill>
-          <a:schemeClr val="accent2">
+          <a:schemeClr val="accent4">
+            <a:hueOff val="0"/>
+            <a:satOff val="0"/>
+            <a:lumOff val="0"/>
+            <a:alphaOff val="0"/>
+          </a:schemeClr>
+        </a:solidFill>
+        <a:ln w="12700" cap="flat" cmpd="sng" algn="ctr">
+          <a:solidFill>
+            <a:schemeClr val="lt1">
+              <a:hueOff val="0"/>
+              <a:satOff val="0"/>
+              <a:lumOff val="0"/>
+              <a:alphaOff val="0"/>
+            </a:schemeClr>
+          </a:solidFill>
+          <a:prstDash val="solid"/>
+          <a:miter lim="800000"/>
+        </a:ln>
+        <a:effectLst/>
+      </dsp:spPr>
+      <dsp:style>
+        <a:lnRef idx="2">
+          <a:scrgbClr r="0" g="0" b="0"/>
+        </a:lnRef>
+        <a:fillRef idx="1">
+          <a:scrgbClr r="0" g="0" b="0"/>
+        </a:fillRef>
+        <a:effectRef idx="0">
+          <a:scrgbClr r="0" g="0" b="0"/>
+        </a:effectRef>
+        <a:fontRef idx="minor">
+          <a:schemeClr val="lt1"/>
+        </a:fontRef>
+      </dsp:style>
+      <dsp:txBody>
+        <a:bodyPr spcFirstLastPara="0" vert="horz" wrap="square" lIns="7620" tIns="7620" rIns="7620" bIns="7620" numCol="1" spcCol="1270" anchor="ctr" anchorCtr="0">
+          <a:noAutofit/>
+        </a:bodyPr>
+        <a:lstStyle/>
+        <a:p>
+          <a:pPr marL="0" lvl="0" indent="0" algn="ctr" defTabSz="533400">
+            <a:lnSpc>
+              <a:spcPct val="90000"/>
+            </a:lnSpc>
+            <a:spcBef>
+              <a:spcPct val="0"/>
+            </a:spcBef>
+            <a:spcAft>
+              <a:spcPct val="35000"/>
+            </a:spcAft>
+            <a:buNone/>
+          </a:pPr>
+          <a:r>
+            <a:rPr kumimoji="1" lang="en-US" altLang="ja-JP" sz="1200" kern="1200"/>
+            <a:t>Initial Point</a:t>
+          </a:r>
+          <a:endParaRPr kumimoji="1" lang="ja-JP" altLang="en-US" sz="1200" kern="1200" dirty="0"/>
+        </a:p>
+      </dsp:txBody>
+      <dsp:txXfrm>
+        <a:off x="507486" y="2281600"/>
+        <a:ext cx="1008868" cy="504434"/>
+      </dsp:txXfrm>
+    </dsp:sp>
+    <dsp:sp modelId="{598B4173-D3EF-45D9-942A-B1135348D2CF}">
+      <dsp:nvSpPr>
+        <dsp:cNvPr id="0" name=""/>
+        <dsp:cNvSpPr/>
+      </dsp:nvSpPr>
+      <dsp:spPr>
+        <a:xfrm>
+          <a:off x="507486" y="2997896"/>
+          <a:ext cx="1008868" cy="504434"/>
+        </a:xfrm>
+        <a:prstGeom prst="rect">
+          <a:avLst/>
+        </a:prstGeom>
+        <a:solidFill>
+          <a:schemeClr val="accent4">
             <a:hueOff val="0"/>
             <a:satOff val="0"/>
             <a:lumOff val="0"/>
@@ -10639,96 +11144,17 @@
           </a:pPr>
           <a:r>
             <a:rPr kumimoji="1" lang="en-US" altLang="ja-JP" sz="1200" kern="1200" dirty="0"/>
-            <a:t>History</a:t>
+            <a:t>Final State</a:t>
           </a:r>
           <a:endParaRPr kumimoji="1" lang="ja-JP" altLang="en-US" sz="1200" kern="1200" dirty="0"/>
         </a:p>
       </dsp:txBody>
       <dsp:txXfrm>
-        <a:off x="255269" y="2281600"/>
+        <a:off x="507486" y="2997896"/>
         <a:ext cx="1008868" cy="504434"/>
       </dsp:txXfrm>
     </dsp:sp>
-    <dsp:sp modelId="{4D79EC49-F480-49D6-B693-46EE305645E5}">
-      <dsp:nvSpPr>
-        <dsp:cNvPr id="0" name=""/>
-        <dsp:cNvSpPr/>
-      </dsp:nvSpPr>
-      <dsp:spPr>
-        <a:xfrm>
-          <a:off x="1476000" y="2997896"/>
-          <a:ext cx="1008868" cy="504434"/>
-        </a:xfrm>
-        <a:prstGeom prst="rect">
-          <a:avLst/>
-        </a:prstGeom>
-        <a:solidFill>
-          <a:schemeClr val="accent2">
-            <a:hueOff val="0"/>
-            <a:satOff val="0"/>
-            <a:lumOff val="0"/>
-            <a:alphaOff val="0"/>
-          </a:schemeClr>
-        </a:solidFill>
-        <a:ln w="12700" cap="flat" cmpd="sng" algn="ctr">
-          <a:solidFill>
-            <a:schemeClr val="lt1">
-              <a:hueOff val="0"/>
-              <a:satOff val="0"/>
-              <a:lumOff val="0"/>
-              <a:alphaOff val="0"/>
-            </a:schemeClr>
-          </a:solidFill>
-          <a:prstDash val="solid"/>
-          <a:miter lim="800000"/>
-        </a:ln>
-        <a:effectLst/>
-      </dsp:spPr>
-      <dsp:style>
-        <a:lnRef idx="2">
-          <a:scrgbClr r="0" g="0" b="0"/>
-        </a:lnRef>
-        <a:fillRef idx="1">
-          <a:scrgbClr r="0" g="0" b="0"/>
-        </a:fillRef>
-        <a:effectRef idx="0">
-          <a:scrgbClr r="0" g="0" b="0"/>
-        </a:effectRef>
-        <a:fontRef idx="minor">
-          <a:schemeClr val="lt1"/>
-        </a:fontRef>
-      </dsp:style>
-      <dsp:txBody>
-        <a:bodyPr spcFirstLastPara="0" vert="horz" wrap="square" lIns="7620" tIns="7620" rIns="7620" bIns="7620" numCol="1" spcCol="1270" anchor="ctr" anchorCtr="0">
-          <a:noAutofit/>
-        </a:bodyPr>
-        <a:lstStyle/>
-        <a:p>
-          <a:pPr marL="0" lvl="0" indent="0" algn="ctr" defTabSz="533400">
-            <a:lnSpc>
-              <a:spcPct val="90000"/>
-            </a:lnSpc>
-            <a:spcBef>
-              <a:spcPct val="0"/>
-            </a:spcBef>
-            <a:spcAft>
-              <a:spcPct val="35000"/>
-            </a:spcAft>
-            <a:buNone/>
-          </a:pPr>
-          <a:r>
-            <a:rPr kumimoji="1" lang="en-US" altLang="ja-JP" sz="1200" kern="1200" dirty="0"/>
-            <a:t>Orthogonal State</a:t>
-          </a:r>
-          <a:endParaRPr kumimoji="1" lang="ja-JP" altLang="en-US" sz="1200" kern="1200" dirty="0"/>
-        </a:p>
-      </dsp:txBody>
-      <dsp:txXfrm>
-        <a:off x="1476000" y="2997896"/>
-        <a:ext cx="1008868" cy="504434"/>
-      </dsp:txXfrm>
-    </dsp:sp>
-    <dsp:sp modelId="{F04D42CF-2F1A-4FA0-8DE5-365FFE66E0CA}">
+    <dsp:sp modelId="{AB92E32C-B437-4F31-B351-74667AEBFFD4}">
       <dsp:nvSpPr>
         <dsp:cNvPr id="0" name=""/>
         <dsp:cNvSpPr/>
@@ -10797,13 +11223,329 @@
           </a:pPr>
           <a:r>
             <a:rPr kumimoji="1" lang="en-US" altLang="ja-JP" sz="1200" kern="1200" dirty="0"/>
+            <a:t>Entry/Do/Exit</a:t>
+          </a:r>
+          <a:endParaRPr kumimoji="1" lang="ja-JP" altLang="en-US" sz="1200" kern="1200" dirty="0"/>
+        </a:p>
+      </dsp:txBody>
+      <dsp:txXfrm>
+        <a:off x="255269" y="3714193"/>
+        <a:ext cx="1008868" cy="504434"/>
+      </dsp:txXfrm>
+    </dsp:sp>
+    <dsp:sp modelId="{73D7F4D0-6F95-467A-9021-698C63D66C37}">
+      <dsp:nvSpPr>
+        <dsp:cNvPr id="0" name=""/>
+        <dsp:cNvSpPr/>
+      </dsp:nvSpPr>
+      <dsp:spPr>
+        <a:xfrm>
+          <a:off x="1223782" y="849006"/>
+          <a:ext cx="1008868" cy="504434"/>
+        </a:xfrm>
+        <a:prstGeom prst="rect">
+          <a:avLst/>
+        </a:prstGeom>
+        <a:solidFill>
+          <a:schemeClr val="accent2">
+            <a:hueOff val="0"/>
+            <a:satOff val="0"/>
+            <a:lumOff val="0"/>
+            <a:alphaOff val="0"/>
+          </a:schemeClr>
+        </a:solidFill>
+        <a:ln w="12700" cap="flat" cmpd="sng" algn="ctr">
+          <a:solidFill>
+            <a:schemeClr val="lt1">
+              <a:hueOff val="0"/>
+              <a:satOff val="0"/>
+              <a:lumOff val="0"/>
+              <a:alphaOff val="0"/>
+            </a:schemeClr>
+          </a:solidFill>
+          <a:prstDash val="solid"/>
+          <a:miter lim="800000"/>
+        </a:ln>
+        <a:effectLst/>
+      </dsp:spPr>
+      <dsp:style>
+        <a:lnRef idx="2">
+          <a:scrgbClr r="0" g="0" b="0"/>
+        </a:lnRef>
+        <a:fillRef idx="1">
+          <a:scrgbClr r="0" g="0" b="0"/>
+        </a:fillRef>
+        <a:effectRef idx="0">
+          <a:scrgbClr r="0" g="0" b="0"/>
+        </a:effectRef>
+        <a:fontRef idx="minor">
+          <a:schemeClr val="lt1"/>
+        </a:fontRef>
+      </dsp:style>
+      <dsp:txBody>
+        <a:bodyPr spcFirstLastPara="0" vert="horz" wrap="square" lIns="7620" tIns="7620" rIns="7620" bIns="7620" numCol="1" spcCol="1270" anchor="ctr" anchorCtr="0">
+          <a:noAutofit/>
+        </a:bodyPr>
+        <a:lstStyle/>
+        <a:p>
+          <a:pPr marL="0" lvl="0" indent="0" algn="ctr" defTabSz="533400">
+            <a:lnSpc>
+              <a:spcPct val="90000"/>
+            </a:lnSpc>
+            <a:spcBef>
+              <a:spcPct val="0"/>
+            </a:spcBef>
+            <a:spcAft>
+              <a:spcPct val="35000"/>
+            </a:spcAft>
+            <a:buNone/>
+          </a:pPr>
+          <a:r>
+            <a:rPr kumimoji="1" lang="en-US" altLang="ja-JP" sz="1200" kern="1200" dirty="0"/>
+            <a:t>History State</a:t>
+          </a:r>
+          <a:endParaRPr kumimoji="1" lang="ja-JP" altLang="en-US" sz="1200" kern="1200" dirty="0"/>
+        </a:p>
+      </dsp:txBody>
+      <dsp:txXfrm>
+        <a:off x="1223782" y="849006"/>
+        <a:ext cx="1008868" cy="504434"/>
+      </dsp:txXfrm>
+    </dsp:sp>
+    <dsp:sp modelId="{37557D71-FFA3-485D-94F8-08CDB9DD3DA6}">
+      <dsp:nvSpPr>
+        <dsp:cNvPr id="0" name=""/>
+        <dsp:cNvSpPr/>
+      </dsp:nvSpPr>
+      <dsp:spPr>
+        <a:xfrm>
+          <a:off x="1476000" y="1565303"/>
+          <a:ext cx="1008868" cy="504434"/>
+        </a:xfrm>
+        <a:prstGeom prst="rect">
+          <a:avLst/>
+        </a:prstGeom>
+        <a:solidFill>
+          <a:schemeClr val="accent3">
+            <a:hueOff val="0"/>
+            <a:satOff val="0"/>
+            <a:lumOff val="0"/>
+            <a:alphaOff val="0"/>
+          </a:schemeClr>
+        </a:solidFill>
+        <a:ln w="12700" cap="flat" cmpd="sng" algn="ctr">
+          <a:solidFill>
+            <a:schemeClr val="lt1">
+              <a:hueOff val="0"/>
+              <a:satOff val="0"/>
+              <a:lumOff val="0"/>
+              <a:alphaOff val="0"/>
+            </a:schemeClr>
+          </a:solidFill>
+          <a:prstDash val="solid"/>
+          <a:miter lim="800000"/>
+        </a:ln>
+        <a:effectLst/>
+      </dsp:spPr>
+      <dsp:style>
+        <a:lnRef idx="2">
+          <a:scrgbClr r="0" g="0" b="0"/>
+        </a:lnRef>
+        <a:fillRef idx="1">
+          <a:scrgbClr r="0" g="0" b="0"/>
+        </a:fillRef>
+        <a:effectRef idx="0">
+          <a:scrgbClr r="0" g="0" b="0"/>
+        </a:effectRef>
+        <a:fontRef idx="minor">
+          <a:schemeClr val="lt1"/>
+        </a:fontRef>
+      </dsp:style>
+      <dsp:txBody>
+        <a:bodyPr spcFirstLastPara="0" vert="horz" wrap="square" lIns="7620" tIns="7620" rIns="7620" bIns="7620" numCol="1" spcCol="1270" anchor="ctr" anchorCtr="0">
+          <a:noAutofit/>
+        </a:bodyPr>
+        <a:lstStyle/>
+        <a:p>
+          <a:pPr marL="0" lvl="0" indent="0" algn="ctr" defTabSz="533400">
+            <a:lnSpc>
+              <a:spcPct val="90000"/>
+            </a:lnSpc>
+            <a:spcBef>
+              <a:spcPct val="0"/>
+            </a:spcBef>
+            <a:spcAft>
+              <a:spcPct val="35000"/>
+            </a:spcAft>
+            <a:buNone/>
+          </a:pPr>
+          <a:r>
+            <a:rPr kumimoji="1" lang="en-US" altLang="ja-JP" sz="1200" kern="1200" dirty="0"/>
+            <a:t>Deep History State</a:t>
+          </a:r>
+          <a:endParaRPr kumimoji="1" lang="ja-JP" altLang="en-US" sz="1200" kern="1200" dirty="0"/>
+        </a:p>
+      </dsp:txBody>
+      <dsp:txXfrm>
+        <a:off x="1476000" y="1565303"/>
+        <a:ext cx="1008868" cy="504434"/>
+      </dsp:txXfrm>
+    </dsp:sp>
+    <dsp:sp modelId="{4D79EC49-F480-49D6-B693-46EE305645E5}">
+      <dsp:nvSpPr>
+        <dsp:cNvPr id="0" name=""/>
+        <dsp:cNvSpPr/>
+      </dsp:nvSpPr>
+      <dsp:spPr>
+        <a:xfrm>
+          <a:off x="2444514" y="849006"/>
+          <a:ext cx="1008868" cy="504434"/>
+        </a:xfrm>
+        <a:prstGeom prst="rect">
+          <a:avLst/>
+        </a:prstGeom>
+        <a:solidFill>
+          <a:schemeClr val="accent2">
+            <a:hueOff val="0"/>
+            <a:satOff val="0"/>
+            <a:lumOff val="0"/>
+            <a:alphaOff val="0"/>
+          </a:schemeClr>
+        </a:solidFill>
+        <a:ln w="12700" cap="flat" cmpd="sng" algn="ctr">
+          <a:solidFill>
+            <a:schemeClr val="lt1">
+              <a:hueOff val="0"/>
+              <a:satOff val="0"/>
+              <a:lumOff val="0"/>
+              <a:alphaOff val="0"/>
+            </a:schemeClr>
+          </a:solidFill>
+          <a:prstDash val="solid"/>
+          <a:miter lim="800000"/>
+        </a:ln>
+        <a:effectLst/>
+      </dsp:spPr>
+      <dsp:style>
+        <a:lnRef idx="2">
+          <a:scrgbClr r="0" g="0" b="0"/>
+        </a:lnRef>
+        <a:fillRef idx="1">
+          <a:scrgbClr r="0" g="0" b="0"/>
+        </a:fillRef>
+        <a:effectRef idx="0">
+          <a:scrgbClr r="0" g="0" b="0"/>
+        </a:effectRef>
+        <a:fontRef idx="minor">
+          <a:schemeClr val="lt1"/>
+        </a:fontRef>
+      </dsp:style>
+      <dsp:txBody>
+        <a:bodyPr spcFirstLastPara="0" vert="horz" wrap="square" lIns="7620" tIns="7620" rIns="7620" bIns="7620" numCol="1" spcCol="1270" anchor="ctr" anchorCtr="0">
+          <a:noAutofit/>
+        </a:bodyPr>
+        <a:lstStyle/>
+        <a:p>
+          <a:pPr marL="0" lvl="0" indent="0" algn="ctr" defTabSz="533400">
+            <a:lnSpc>
+              <a:spcPct val="90000"/>
+            </a:lnSpc>
+            <a:spcBef>
+              <a:spcPct val="0"/>
+            </a:spcBef>
+            <a:spcAft>
+              <a:spcPct val="35000"/>
+            </a:spcAft>
+            <a:buNone/>
+          </a:pPr>
+          <a:r>
+            <a:rPr kumimoji="1" lang="en-US" altLang="ja-JP" sz="1200" kern="1200" dirty="0"/>
+            <a:t>Orthogonal State</a:t>
+          </a:r>
+          <a:endParaRPr kumimoji="1" lang="ja-JP" altLang="en-US" sz="1200" kern="1200" dirty="0"/>
+        </a:p>
+      </dsp:txBody>
+      <dsp:txXfrm>
+        <a:off x="2444514" y="849006"/>
+        <a:ext cx="1008868" cy="504434"/>
+      </dsp:txXfrm>
+    </dsp:sp>
+    <dsp:sp modelId="{F04D42CF-2F1A-4FA0-8DE5-365FFE66E0CA}">
+      <dsp:nvSpPr>
+        <dsp:cNvPr id="0" name=""/>
+        <dsp:cNvSpPr/>
+      </dsp:nvSpPr>
+      <dsp:spPr>
+        <a:xfrm>
+          <a:off x="2696731" y="1565303"/>
+          <a:ext cx="1008868" cy="504434"/>
+        </a:xfrm>
+        <a:prstGeom prst="rect">
+          <a:avLst/>
+        </a:prstGeom>
+        <a:solidFill>
+          <a:schemeClr val="accent3">
+            <a:hueOff val="0"/>
+            <a:satOff val="0"/>
+            <a:lumOff val="0"/>
+            <a:alphaOff val="0"/>
+          </a:schemeClr>
+        </a:solidFill>
+        <a:ln w="12700" cap="flat" cmpd="sng" algn="ctr">
+          <a:solidFill>
+            <a:schemeClr val="lt1">
+              <a:hueOff val="0"/>
+              <a:satOff val="0"/>
+              <a:lumOff val="0"/>
+              <a:alphaOff val="0"/>
+            </a:schemeClr>
+          </a:solidFill>
+          <a:prstDash val="solid"/>
+          <a:miter lim="800000"/>
+        </a:ln>
+        <a:effectLst/>
+      </dsp:spPr>
+      <dsp:style>
+        <a:lnRef idx="2">
+          <a:scrgbClr r="0" g="0" b="0"/>
+        </a:lnRef>
+        <a:fillRef idx="1">
+          <a:scrgbClr r="0" g="0" b="0"/>
+        </a:fillRef>
+        <a:effectRef idx="0">
+          <a:scrgbClr r="0" g="0" b="0"/>
+        </a:effectRef>
+        <a:fontRef idx="minor">
+          <a:schemeClr val="lt1"/>
+        </a:fontRef>
+      </dsp:style>
+      <dsp:txBody>
+        <a:bodyPr spcFirstLastPara="0" vert="horz" wrap="square" lIns="7620" tIns="7620" rIns="7620" bIns="7620" numCol="1" spcCol="1270" anchor="ctr" anchorCtr="0">
+          <a:noAutofit/>
+        </a:bodyPr>
+        <a:lstStyle/>
+        <a:p>
+          <a:pPr marL="0" lvl="0" indent="0" algn="ctr" defTabSz="533400">
+            <a:lnSpc>
+              <a:spcPct val="90000"/>
+            </a:lnSpc>
+            <a:spcBef>
+              <a:spcPct val="0"/>
+            </a:spcBef>
+            <a:spcAft>
+              <a:spcPct val="35000"/>
+            </a:spcAft>
+            <a:buNone/>
+          </a:pPr>
+          <a:r>
+            <a:rPr kumimoji="1" lang="en-US" altLang="ja-JP" sz="1200" kern="1200" dirty="0"/>
             <a:t>Join</a:t>
           </a:r>
           <a:endParaRPr kumimoji="1" lang="ja-JP" altLang="en-US" sz="1200" kern="1200" dirty="0"/>
         </a:p>
       </dsp:txBody>
       <dsp:txXfrm>
-        <a:off x="255269" y="3714193"/>
+        <a:off x="2696731" y="1565303"/>
         <a:ext cx="1008868" cy="504434"/>
       </dsp:txXfrm>
     </dsp:sp>
@@ -10814,7 +11556,7 @@
       </dsp:nvSpPr>
       <dsp:spPr>
         <a:xfrm>
-          <a:off x="1476000" y="3714193"/>
+          <a:off x="2696731" y="2281600"/>
           <a:ext cx="1008868" cy="504434"/>
         </a:xfrm>
         <a:prstGeom prst="rect">
@@ -10882,86 +11624,7 @@
         </a:p>
       </dsp:txBody>
       <dsp:txXfrm>
-        <a:off x="1476000" y="3714193"/>
-        <a:ext cx="1008868" cy="504434"/>
-      </dsp:txXfrm>
-    </dsp:sp>
-    <dsp:sp modelId="{015209CF-02A8-40B2-A862-FFF789D7FDF9}">
-      <dsp:nvSpPr>
-        <dsp:cNvPr id="0" name=""/>
-        <dsp:cNvSpPr/>
-      </dsp:nvSpPr>
-      <dsp:spPr>
-        <a:xfrm>
-          <a:off x="2696731" y="3714193"/>
-          <a:ext cx="1008868" cy="504434"/>
-        </a:xfrm>
-        <a:prstGeom prst="rect">
-          <a:avLst/>
-        </a:prstGeom>
-        <a:solidFill>
-          <a:schemeClr val="accent3">
-            <a:hueOff val="0"/>
-            <a:satOff val="0"/>
-            <a:lumOff val="0"/>
-            <a:alphaOff val="0"/>
-          </a:schemeClr>
-        </a:solidFill>
-        <a:ln w="12700" cap="flat" cmpd="sng" algn="ctr">
-          <a:solidFill>
-            <a:schemeClr val="lt1">
-              <a:hueOff val="0"/>
-              <a:satOff val="0"/>
-              <a:lumOff val="0"/>
-              <a:alphaOff val="0"/>
-            </a:schemeClr>
-          </a:solidFill>
-          <a:prstDash val="solid"/>
-          <a:miter lim="800000"/>
-        </a:ln>
-        <a:effectLst/>
-      </dsp:spPr>
-      <dsp:style>
-        <a:lnRef idx="2">
-          <a:scrgbClr r="0" g="0" b="0"/>
-        </a:lnRef>
-        <a:fillRef idx="1">
-          <a:scrgbClr r="0" g="0" b="0"/>
-        </a:fillRef>
-        <a:effectRef idx="0">
-          <a:scrgbClr r="0" g="0" b="0"/>
-        </a:effectRef>
-        <a:fontRef idx="minor">
-          <a:schemeClr val="lt1"/>
-        </a:fontRef>
-      </dsp:style>
-      <dsp:txBody>
-        <a:bodyPr spcFirstLastPara="0" vert="horz" wrap="square" lIns="7620" tIns="7620" rIns="7620" bIns="7620" numCol="1" spcCol="1270" anchor="ctr" anchorCtr="0">
-          <a:noAutofit/>
-        </a:bodyPr>
-        <a:lstStyle/>
-        <a:p>
-          <a:pPr marL="0" lvl="0" indent="0" algn="ctr" defTabSz="533400">
-            <a:lnSpc>
-              <a:spcPct val="90000"/>
-            </a:lnSpc>
-            <a:spcBef>
-              <a:spcPct val="0"/>
-            </a:spcBef>
-            <a:spcAft>
-              <a:spcPct val="35000"/>
-            </a:spcAft>
-            <a:buNone/>
-          </a:pPr>
-          <a:r>
-            <a:rPr kumimoji="1" lang="en-US" altLang="ja-JP" sz="1200" kern="1200" dirty="0"/>
-            <a:t>Final</a:t>
-          </a:r>
-          <a:endParaRPr kumimoji="1" lang="ja-JP" altLang="en-US" sz="1200" kern="1200" dirty="0"/>
-        </a:p>
-      </dsp:txBody>
-      <dsp:txXfrm>
-        <a:off x="2696731" y="3714193"/>
+        <a:off x="2696731" y="2281600"/>
         <a:ext cx="1008868" cy="504434"/>
       </dsp:txXfrm>
     </dsp:sp>
@@ -22068,7 +22731,7 @@
           <a:p>
             <a:fld id="{E81B4C7D-2128-4B04-BA22-597DEB07540B}" type="datetimeFigureOut">
               <a:rPr kumimoji="1" lang="ja-JP" altLang="en-US" smtClean="0"/>
-              <a:t>2021/5/8</a:t>
+              <a:t>2021/5/13</a:t>
             </a:fld>
             <a:endParaRPr kumimoji="1" lang="ja-JP" altLang="en-US"/>
           </a:p>
@@ -22298,7 +22961,7 @@
           <a:p>
             <a:fld id="{E81B4C7D-2128-4B04-BA22-597DEB07540B}" type="datetimeFigureOut">
               <a:rPr kumimoji="1" lang="ja-JP" altLang="en-US" smtClean="0"/>
-              <a:t>2021/5/8</a:t>
+              <a:t>2021/5/13</a:t>
             </a:fld>
             <a:endParaRPr kumimoji="1" lang="ja-JP" altLang="en-US"/>
           </a:p>
@@ -22538,7 +23201,7 @@
           <a:p>
             <a:fld id="{E81B4C7D-2128-4B04-BA22-597DEB07540B}" type="datetimeFigureOut">
               <a:rPr kumimoji="1" lang="ja-JP" altLang="en-US" smtClean="0"/>
-              <a:t>2021/5/8</a:t>
+              <a:t>2021/5/13</a:t>
             </a:fld>
             <a:endParaRPr kumimoji="1" lang="ja-JP" altLang="en-US"/>
           </a:p>
@@ -22768,7 +23431,7 @@
           <a:p>
             <a:fld id="{E81B4C7D-2128-4B04-BA22-597DEB07540B}" type="datetimeFigureOut">
               <a:rPr kumimoji="1" lang="ja-JP" altLang="en-US" smtClean="0"/>
-              <a:t>2021/5/8</a:t>
+              <a:t>2021/5/13</a:t>
             </a:fld>
             <a:endParaRPr kumimoji="1" lang="ja-JP" altLang="en-US"/>
           </a:p>
@@ -23043,7 +23706,7 @@
           <a:p>
             <a:fld id="{E81B4C7D-2128-4B04-BA22-597DEB07540B}" type="datetimeFigureOut">
               <a:rPr kumimoji="1" lang="ja-JP" altLang="en-US" smtClean="0"/>
-              <a:t>2021/5/8</a:t>
+              <a:t>2021/5/13</a:t>
             </a:fld>
             <a:endParaRPr kumimoji="1" lang="ja-JP" altLang="en-US"/>
           </a:p>
@@ -23372,7 +24035,7 @@
           <a:p>
             <a:fld id="{E81B4C7D-2128-4B04-BA22-597DEB07540B}" type="datetimeFigureOut">
               <a:rPr kumimoji="1" lang="ja-JP" altLang="en-US" smtClean="0"/>
-              <a:t>2021/5/8</a:t>
+              <a:t>2021/5/13</a:t>
             </a:fld>
             <a:endParaRPr kumimoji="1" lang="ja-JP" altLang="en-US"/>
           </a:p>
@@ -23848,7 +24511,7 @@
           <a:p>
             <a:fld id="{E81B4C7D-2128-4B04-BA22-597DEB07540B}" type="datetimeFigureOut">
               <a:rPr kumimoji="1" lang="ja-JP" altLang="en-US" smtClean="0"/>
-              <a:t>2021/5/8</a:t>
+              <a:t>2021/5/13</a:t>
             </a:fld>
             <a:endParaRPr kumimoji="1" lang="ja-JP" altLang="en-US"/>
           </a:p>
@@ -23989,7 +24652,7 @@
           <a:p>
             <a:fld id="{E81B4C7D-2128-4B04-BA22-597DEB07540B}" type="datetimeFigureOut">
               <a:rPr kumimoji="1" lang="ja-JP" altLang="en-US" smtClean="0"/>
-              <a:t>2021/5/8</a:t>
+              <a:t>2021/5/13</a:t>
             </a:fld>
             <a:endParaRPr kumimoji="1" lang="ja-JP" altLang="en-US"/>
           </a:p>
@@ -24102,7 +24765,7 @@
           <a:p>
             <a:fld id="{E81B4C7D-2128-4B04-BA22-597DEB07540B}" type="datetimeFigureOut">
               <a:rPr kumimoji="1" lang="ja-JP" altLang="en-US" smtClean="0"/>
-              <a:t>2021/5/8</a:t>
+              <a:t>2021/5/13</a:t>
             </a:fld>
             <a:endParaRPr kumimoji="1" lang="ja-JP" altLang="en-US"/>
           </a:p>
@@ -24445,7 +25108,7 @@
           <a:p>
             <a:fld id="{E81B4C7D-2128-4B04-BA22-597DEB07540B}" type="datetimeFigureOut">
               <a:rPr kumimoji="1" lang="ja-JP" altLang="en-US" smtClean="0"/>
-              <a:t>2021/5/8</a:t>
+              <a:t>2021/5/13</a:t>
             </a:fld>
             <a:endParaRPr kumimoji="1" lang="ja-JP" altLang="en-US"/>
           </a:p>
@@ -24733,7 +25396,7 @@
           <a:p>
             <a:fld id="{E81B4C7D-2128-4B04-BA22-597DEB07540B}" type="datetimeFigureOut">
               <a:rPr kumimoji="1" lang="ja-JP" altLang="en-US" smtClean="0"/>
-              <a:t>2021/5/8</a:t>
+              <a:t>2021/5/13</a:t>
             </a:fld>
             <a:endParaRPr kumimoji="1" lang="ja-JP" altLang="en-US"/>
           </a:p>
@@ -25006,7 +25669,7 @@
           <a:p>
             <a:fld id="{E81B4C7D-2128-4B04-BA22-597DEB07540B}" type="datetimeFigureOut">
               <a:rPr kumimoji="1" lang="ja-JP" altLang="en-US" smtClean="0"/>
-              <a:t>2021/5/8</a:t>
+              <a:t>2021/5/13</a:t>
             </a:fld>
             <a:endParaRPr kumimoji="1" lang="ja-JP" altLang="en-US"/>
           </a:p>
@@ -25714,7 +26377,7 @@
             <p:ph sz="half" idx="2"/>
             <p:extLst>
               <p:ext uri="{D42A27DB-BD31-4B8C-83A1-F6EECF244321}">
-                <p14:modId xmlns:p14="http://schemas.microsoft.com/office/powerpoint/2010/main" val="1798406349"/>
+                <p14:modId xmlns:p14="http://schemas.microsoft.com/office/powerpoint/2010/main" val="4269699419"/>
               </p:ext>
             </p:extLst>
           </p:nvPr>
@@ -25804,14 +26467,14 @@
             <p:ph idx="1"/>
             <p:extLst>
               <p:ext uri="{D42A27DB-BD31-4B8C-83A1-F6EECF244321}">
-                <p14:modId xmlns:p14="http://schemas.microsoft.com/office/powerpoint/2010/main" val="2317555960"/>
+                <p14:modId xmlns:p14="http://schemas.microsoft.com/office/powerpoint/2010/main" val="1895327252"/>
               </p:ext>
             </p:extLst>
           </p:nvPr>
         </p:nvGraphicFramePr>
         <p:xfrm>
           <a:off x="838200" y="1825625"/>
-          <a:ext cx="10515600" cy="4079240"/>
+          <a:ext cx="10515600" cy="3708400"/>
         </p:xfrm>
         <a:graphic>
           <a:graphicData uri="http://schemas.openxmlformats.org/drawingml/2006/table">
@@ -25857,11 +26520,15 @@
                     <a:p>
                       <a:r>
                         <a:rPr kumimoji="1" lang="en-US" altLang="ja-JP" dirty="0"/>
-                        <a:t>UML </a:t>
+                        <a:t>UML State</a:t>
                       </a:r>
                       <a:r>
-                        <a:rPr kumimoji="1" lang="en-US" altLang="ja-JP" dirty="0" err="1"/>
-                        <a:t>Statemachine</a:t>
+                        <a:rPr kumimoji="1" lang="ja-JP" altLang="en-US" dirty="0"/>
+                        <a:t> </a:t>
+                      </a:r>
+                      <a:r>
+                        <a:rPr kumimoji="1" lang="en-US" altLang="ja-JP" dirty="0"/>
+                        <a:t>Machine</a:t>
                       </a:r>
                       <a:endParaRPr kumimoji="1" lang="ja-JP" altLang="en-US" dirty="0"/>
                     </a:p>
@@ -26104,7 +26771,7 @@
                 </a:extLst>
               </a:tr>
               <a:tr h="370840">
-                <a:tc rowSpan="2">
+                <a:tc>
                   <a:txBody>
                     <a:bodyPr/>
                     <a:lstStyle/>
@@ -26152,17 +26819,21 @@
                 </a:extLst>
               </a:tr>
               <a:tr h="370840">
-                <a:tc vMerge="1">
+                <a:tc>
                   <a:txBody>
                     <a:bodyPr/>
                     <a:lstStyle/>
                     <a:p>
+                      <a:r>
+                        <a:rPr kumimoji="1" lang="en-US" altLang="ja-JP" dirty="0"/>
+                        <a:t>Variables</a:t>
+                      </a:r>
                       <a:endParaRPr kumimoji="1" lang="ja-JP" altLang="en-US" dirty="0"/>
                     </a:p>
                   </a:txBody>
                   <a:tcPr/>
                 </a:tc>
-                <a:tc rowSpan="2">
+                <a:tc>
                   <a:txBody>
                     <a:bodyPr/>
                     <a:lstStyle/>
@@ -26179,37 +26850,6 @@
                 <a:extLst>
                   <a:ext uri="{0D108BD9-81ED-4DB2-BD59-A6C34878D82A}">
                     <a16:rowId xmlns:a16="http://schemas.microsoft.com/office/drawing/2014/main" val="2185417263"/>
-                  </a:ext>
-                </a:extLst>
-              </a:tr>
-              <a:tr h="370840">
-                <a:tc>
-                  <a:txBody>
-                    <a:bodyPr/>
-                    <a:lstStyle/>
-                    <a:p>
-                      <a:r>
-                        <a:rPr kumimoji="1" lang="en-US" altLang="ja-JP" dirty="0"/>
-                        <a:t>Variables</a:t>
-                      </a:r>
-                      <a:endParaRPr kumimoji="1" lang="ja-JP" altLang="en-US" dirty="0"/>
-                    </a:p>
-                  </a:txBody>
-                  <a:tcPr/>
-                </a:tc>
-                <a:tc vMerge="1">
-                  <a:txBody>
-                    <a:bodyPr/>
-                    <a:lstStyle/>
-                    <a:p>
-                      <a:endParaRPr kumimoji="1" lang="ja-JP" altLang="en-US" dirty="0"/>
-                    </a:p>
-                  </a:txBody>
-                  <a:tcPr/>
-                </a:tc>
-                <a:extLst>
-                  <a:ext uri="{0D108BD9-81ED-4DB2-BD59-A6C34878D82A}">
-                    <a16:rowId xmlns:a16="http://schemas.microsoft.com/office/drawing/2014/main" val="2052831180"/>
                   </a:ext>
                 </a:extLst>
               </a:tr>
